--- a/Dream/Build/씬 기획.pptx
+++ b/Dream/Build/씬 기획.pptx
@@ -15,6 +15,10 @@
     <p:sldId id="265" r:id="rId9"/>
     <p:sldId id="262" r:id="rId10"/>
     <p:sldId id="260" r:id="rId11"/>
+    <p:sldId id="267" r:id="rId12"/>
+    <p:sldId id="268" r:id="rId13"/>
+    <p:sldId id="269" r:id="rId14"/>
+    <p:sldId id="270" r:id="rId15"/>
   </p:sldIdLst>
   <p:sldSz cx="12192000" cy="6858000"/>
   <p:notesSz cx="6858000" cy="9144000"/>
@@ -268,7 +272,7 @@
           <a:p>
             <a:fld id="{FF12C48E-3BB3-46AA-8637-519C00D6BA06}" type="datetimeFigureOut">
               <a:rPr lang="ko-KR" altLang="en-US" smtClean="0"/>
-              <a:t>2020-04-23</a:t>
+              <a:t>2020-05-05</a:t>
             </a:fld>
             <a:endParaRPr lang="ko-KR" altLang="en-US"/>
           </a:p>
@@ -466,7 +470,7 @@
           <a:p>
             <a:fld id="{FF12C48E-3BB3-46AA-8637-519C00D6BA06}" type="datetimeFigureOut">
               <a:rPr lang="ko-KR" altLang="en-US" smtClean="0"/>
-              <a:t>2020-04-23</a:t>
+              <a:t>2020-05-05</a:t>
             </a:fld>
             <a:endParaRPr lang="ko-KR" altLang="en-US"/>
           </a:p>
@@ -674,7 +678,7 @@
           <a:p>
             <a:fld id="{FF12C48E-3BB3-46AA-8637-519C00D6BA06}" type="datetimeFigureOut">
               <a:rPr lang="ko-KR" altLang="en-US" smtClean="0"/>
-              <a:t>2020-04-23</a:t>
+              <a:t>2020-05-05</a:t>
             </a:fld>
             <a:endParaRPr lang="ko-KR" altLang="en-US"/>
           </a:p>
@@ -872,7 +876,7 @@
           <a:p>
             <a:fld id="{FF12C48E-3BB3-46AA-8637-519C00D6BA06}" type="datetimeFigureOut">
               <a:rPr lang="ko-KR" altLang="en-US" smtClean="0"/>
-              <a:t>2020-04-23</a:t>
+              <a:t>2020-05-05</a:t>
             </a:fld>
             <a:endParaRPr lang="ko-KR" altLang="en-US"/>
           </a:p>
@@ -1147,7 +1151,7 @@
           <a:p>
             <a:fld id="{FF12C48E-3BB3-46AA-8637-519C00D6BA06}" type="datetimeFigureOut">
               <a:rPr lang="ko-KR" altLang="en-US" smtClean="0"/>
-              <a:t>2020-04-23</a:t>
+              <a:t>2020-05-05</a:t>
             </a:fld>
             <a:endParaRPr lang="ko-KR" altLang="en-US"/>
           </a:p>
@@ -1412,7 +1416,7 @@
           <a:p>
             <a:fld id="{FF12C48E-3BB3-46AA-8637-519C00D6BA06}" type="datetimeFigureOut">
               <a:rPr lang="ko-KR" altLang="en-US" smtClean="0"/>
-              <a:t>2020-04-23</a:t>
+              <a:t>2020-05-05</a:t>
             </a:fld>
             <a:endParaRPr lang="ko-KR" altLang="en-US"/>
           </a:p>
@@ -1824,7 +1828,7 @@
           <a:p>
             <a:fld id="{FF12C48E-3BB3-46AA-8637-519C00D6BA06}" type="datetimeFigureOut">
               <a:rPr lang="ko-KR" altLang="en-US" smtClean="0"/>
-              <a:t>2020-04-23</a:t>
+              <a:t>2020-05-05</a:t>
             </a:fld>
             <a:endParaRPr lang="ko-KR" altLang="en-US"/>
           </a:p>
@@ -1965,7 +1969,7 @@
           <a:p>
             <a:fld id="{FF12C48E-3BB3-46AA-8637-519C00D6BA06}" type="datetimeFigureOut">
               <a:rPr lang="ko-KR" altLang="en-US" smtClean="0"/>
-              <a:t>2020-04-23</a:t>
+              <a:t>2020-05-05</a:t>
             </a:fld>
             <a:endParaRPr lang="ko-KR" altLang="en-US"/>
           </a:p>
@@ -2078,7 +2082,7 @@
           <a:p>
             <a:fld id="{FF12C48E-3BB3-46AA-8637-519C00D6BA06}" type="datetimeFigureOut">
               <a:rPr lang="ko-KR" altLang="en-US" smtClean="0"/>
-              <a:t>2020-04-23</a:t>
+              <a:t>2020-05-05</a:t>
             </a:fld>
             <a:endParaRPr lang="ko-KR" altLang="en-US"/>
           </a:p>
@@ -2389,7 +2393,7 @@
           <a:p>
             <a:fld id="{FF12C48E-3BB3-46AA-8637-519C00D6BA06}" type="datetimeFigureOut">
               <a:rPr lang="ko-KR" altLang="en-US" smtClean="0"/>
-              <a:t>2020-04-23</a:t>
+              <a:t>2020-05-05</a:t>
             </a:fld>
             <a:endParaRPr lang="ko-KR" altLang="en-US"/>
           </a:p>
@@ -2677,7 +2681,7 @@
           <a:p>
             <a:fld id="{FF12C48E-3BB3-46AA-8637-519C00D6BA06}" type="datetimeFigureOut">
               <a:rPr lang="ko-KR" altLang="en-US" smtClean="0"/>
-              <a:t>2020-04-23</a:t>
+              <a:t>2020-05-05</a:t>
             </a:fld>
             <a:endParaRPr lang="ko-KR" altLang="en-US"/>
           </a:p>
@@ -2918,7 +2922,7 @@
           <a:p>
             <a:fld id="{FF12C48E-3BB3-46AA-8637-519C00D6BA06}" type="datetimeFigureOut">
               <a:rPr lang="ko-KR" altLang="en-US" smtClean="0"/>
-              <a:t>2020-04-23</a:t>
+              <a:t>2020-05-05</a:t>
             </a:fld>
             <a:endParaRPr lang="ko-KR" altLang="en-US"/>
           </a:p>
@@ -6187,6 +6191,2679 @@
 </p:sld>
 </file>
 
+<file path=ppt/slides/slide11.xml><?xml version="1.0" encoding="utf-8"?>
+<p:sld xmlns:a="http://schemas.openxmlformats.org/drawingml/2006/main" xmlns:r="http://schemas.openxmlformats.org/officeDocument/2006/relationships" xmlns:p="http://schemas.openxmlformats.org/presentationml/2006/main">
+  <p:cSld>
+    <p:spTree>
+      <p:nvGrpSpPr>
+        <p:cNvPr id="1" name=""/>
+        <p:cNvGrpSpPr/>
+        <p:nvPr/>
+      </p:nvGrpSpPr>
+      <p:grpSpPr>
+        <a:xfrm>
+          <a:off x="0" y="0"/>
+          <a:ext cx="0" cy="0"/>
+          <a:chOff x="0" y="0"/>
+          <a:chExt cx="0" cy="0"/>
+        </a:xfrm>
+      </p:grpSpPr>
+      <p:sp>
+        <p:nvSpPr>
+          <p:cNvPr id="4" name="TextBox 3">
+            <a:extLst>
+              <a:ext uri="{FF2B5EF4-FFF2-40B4-BE49-F238E27FC236}">
+                <a16:creationId xmlns:a16="http://schemas.microsoft.com/office/drawing/2014/main" id="{87868625-2423-41AC-8874-BA05336D62CE}"/>
+              </a:ext>
+            </a:extLst>
+          </p:cNvPr>
+          <p:cNvSpPr txBox="1"/>
+          <p:nvPr/>
+        </p:nvSpPr>
+        <p:spPr>
+          <a:xfrm>
+            <a:off x="0" y="2096742"/>
+            <a:ext cx="12192000" cy="461665"/>
+          </a:xfrm>
+          <a:prstGeom prst="rect">
+            <a:avLst/>
+          </a:prstGeom>
+          <a:solidFill>
+            <a:schemeClr val="tx1"/>
+          </a:solidFill>
+        </p:spPr>
+        <p:txBody>
+          <a:bodyPr wrap="square" rtlCol="0">
+            <a:spAutoFit/>
+          </a:bodyPr>
+          <a:lstStyle/>
+          <a:p>
+            <a:pPr algn="ctr"/>
+            <a:r>
+              <a:rPr lang="ko-KR" altLang="en-US" sz="2400" b="1" dirty="0">
+                <a:solidFill>
+                  <a:schemeClr val="bg1"/>
+                </a:solidFill>
+              </a:rPr>
+              <a:t>참고용 </a:t>
+            </a:r>
+            <a:r>
+              <a:rPr lang="en-US" altLang="ko-KR" sz="2400" b="1" dirty="0">
+                <a:solidFill>
+                  <a:schemeClr val="bg1"/>
+                </a:solidFill>
+              </a:rPr>
+              <a:t>: 2</a:t>
+            </a:r>
+            <a:r>
+              <a:rPr lang="ko-KR" altLang="en-US" sz="2400" b="1" dirty="0">
+                <a:solidFill>
+                  <a:schemeClr val="bg1"/>
+                </a:solidFill>
+              </a:rPr>
+              <a:t>층 거실 구현 과정</a:t>
+            </a:r>
+          </a:p>
+        </p:txBody>
+      </p:sp>
+      <p:sp>
+        <p:nvSpPr>
+          <p:cNvPr id="5" name="TextBox 4">
+            <a:extLst>
+              <a:ext uri="{FF2B5EF4-FFF2-40B4-BE49-F238E27FC236}">
+                <a16:creationId xmlns:a16="http://schemas.microsoft.com/office/drawing/2014/main" id="{F6254A33-87EF-4035-A4A1-FE00D36B9E4E}"/>
+              </a:ext>
+            </a:extLst>
+          </p:cNvPr>
+          <p:cNvSpPr txBox="1"/>
+          <p:nvPr/>
+        </p:nvSpPr>
+        <p:spPr>
+          <a:xfrm>
+            <a:off x="2201333" y="3132665"/>
+            <a:ext cx="7789334" cy="369332"/>
+          </a:xfrm>
+          <a:prstGeom prst="rect">
+            <a:avLst/>
+          </a:prstGeom>
+          <a:noFill/>
+        </p:spPr>
+        <p:txBody>
+          <a:bodyPr wrap="square" rtlCol="0">
+            <a:spAutoFit/>
+          </a:bodyPr>
+          <a:lstStyle/>
+          <a:p>
+            <a:r>
+              <a:rPr lang="ko-KR" altLang="en-US" dirty="0"/>
+              <a:t>어떻게 할 지 몰라서</a:t>
+            </a:r>
+            <a:r>
+              <a:rPr lang="en-US" altLang="ko-KR" dirty="0"/>
+              <a:t>… </a:t>
+            </a:r>
+            <a:r>
+              <a:rPr lang="ko-KR" altLang="en-US" dirty="0"/>
+              <a:t>우선 </a:t>
+            </a:r>
+            <a:r>
+              <a:rPr lang="en-US" altLang="ko-KR" dirty="0"/>
+              <a:t>2</a:t>
+            </a:r>
+            <a:r>
+              <a:rPr lang="ko-KR" altLang="en-US" dirty="0"/>
+              <a:t>층 거실의 구현 과정을 정리해봤습니다</a:t>
+            </a:r>
+            <a:r>
+              <a:rPr lang="en-US" altLang="ko-KR" dirty="0"/>
+              <a:t>.</a:t>
+            </a:r>
+            <a:endParaRPr lang="ko-KR" altLang="en-US" dirty="0"/>
+          </a:p>
+        </p:txBody>
+      </p:sp>
+    </p:spTree>
+    <p:extLst>
+      <p:ext uri="{BB962C8B-B14F-4D97-AF65-F5344CB8AC3E}">
+        <p14:creationId xmlns:p14="http://schemas.microsoft.com/office/powerpoint/2010/main" val="2194034642"/>
+      </p:ext>
+    </p:extLst>
+  </p:cSld>
+  <p:clrMapOvr>
+    <a:masterClrMapping/>
+  </p:clrMapOvr>
+</p:sld>
+</file>
+
+<file path=ppt/slides/slide12.xml><?xml version="1.0" encoding="utf-8"?>
+<p:sld xmlns:a="http://schemas.openxmlformats.org/drawingml/2006/main" xmlns:r="http://schemas.openxmlformats.org/officeDocument/2006/relationships" xmlns:p="http://schemas.openxmlformats.org/presentationml/2006/main">
+  <p:cSld>
+    <p:spTree>
+      <p:nvGrpSpPr>
+        <p:cNvPr id="1" name=""/>
+        <p:cNvGrpSpPr/>
+        <p:nvPr/>
+      </p:nvGrpSpPr>
+      <p:grpSpPr>
+        <a:xfrm>
+          <a:off x="0" y="0"/>
+          <a:ext cx="0" cy="0"/>
+          <a:chOff x="0" y="0"/>
+          <a:chExt cx="0" cy="0"/>
+        </a:xfrm>
+      </p:grpSpPr>
+      <p:pic>
+        <p:nvPicPr>
+          <p:cNvPr id="4" name="그림 3">
+            <a:extLst>
+              <a:ext uri="{FF2B5EF4-FFF2-40B4-BE49-F238E27FC236}">
+                <a16:creationId xmlns:a16="http://schemas.microsoft.com/office/drawing/2014/main" id="{BF68BCBC-6D58-4CF1-A1B9-0ABBF5550A26}"/>
+              </a:ext>
+            </a:extLst>
+          </p:cNvPr>
+          <p:cNvPicPr>
+            <a:picLocks noChangeAspect="1"/>
+          </p:cNvPicPr>
+          <p:nvPr/>
+        </p:nvPicPr>
+        <p:blipFill>
+          <a:blip r:embed="rId2"/>
+          <a:stretch>
+            <a:fillRect/>
+          </a:stretch>
+        </p:blipFill>
+        <p:spPr>
+          <a:xfrm>
+            <a:off x="1252537" y="715678"/>
+            <a:ext cx="9686925" cy="5676900"/>
+          </a:xfrm>
+          <a:prstGeom prst="rect">
+            <a:avLst/>
+          </a:prstGeom>
+        </p:spPr>
+      </p:pic>
+      <p:sp>
+        <p:nvSpPr>
+          <p:cNvPr id="5" name="TextBox 4">
+            <a:extLst>
+              <a:ext uri="{FF2B5EF4-FFF2-40B4-BE49-F238E27FC236}">
+                <a16:creationId xmlns:a16="http://schemas.microsoft.com/office/drawing/2014/main" id="{20C27D66-3A2D-4EDF-AA81-FC4CDB4DC086}"/>
+              </a:ext>
+            </a:extLst>
+          </p:cNvPr>
+          <p:cNvSpPr txBox="1"/>
+          <p:nvPr/>
+        </p:nvSpPr>
+        <p:spPr>
+          <a:xfrm>
+            <a:off x="0" y="124008"/>
+            <a:ext cx="4013200" cy="461665"/>
+          </a:xfrm>
+          <a:prstGeom prst="rect">
+            <a:avLst/>
+          </a:prstGeom>
+          <a:solidFill>
+            <a:schemeClr val="tx1"/>
+          </a:solidFill>
+        </p:spPr>
+        <p:txBody>
+          <a:bodyPr wrap="square" rtlCol="0">
+            <a:spAutoFit/>
+          </a:bodyPr>
+          <a:lstStyle/>
+          <a:p>
+            <a:pPr algn="ctr"/>
+            <a:r>
+              <a:rPr lang="ko-KR" altLang="en-US" sz="2400" b="1" dirty="0">
+                <a:solidFill>
+                  <a:schemeClr val="bg1"/>
+                </a:solidFill>
+              </a:rPr>
+              <a:t>맵 아이디어 </a:t>
+            </a:r>
+            <a:r>
+              <a:rPr lang="en-US" altLang="ko-KR" sz="2400" b="1" dirty="0">
+                <a:solidFill>
+                  <a:schemeClr val="bg1"/>
+                </a:solidFill>
+              </a:rPr>
+              <a:t>– </a:t>
+            </a:r>
+            <a:r>
+              <a:rPr lang="ko-KR" altLang="en-US" sz="2400" b="1" dirty="0">
+                <a:solidFill>
+                  <a:schemeClr val="bg1"/>
+                </a:solidFill>
+              </a:rPr>
+              <a:t>퀴즈와 동선</a:t>
+            </a:r>
+          </a:p>
+        </p:txBody>
+      </p:sp>
+      <p:sp>
+        <p:nvSpPr>
+          <p:cNvPr id="6" name="타원 5">
+            <a:extLst>
+              <a:ext uri="{FF2B5EF4-FFF2-40B4-BE49-F238E27FC236}">
+                <a16:creationId xmlns:a16="http://schemas.microsoft.com/office/drawing/2014/main" id="{6BFC812C-FA6E-4652-A3FE-8DA033B5C8F9}"/>
+              </a:ext>
+            </a:extLst>
+          </p:cNvPr>
+          <p:cNvSpPr/>
+          <p:nvPr/>
+        </p:nvSpPr>
+        <p:spPr>
+          <a:xfrm>
+            <a:off x="2003124" y="5379364"/>
+            <a:ext cx="1080000" cy="1080000"/>
+          </a:xfrm>
+          <a:prstGeom prst="ellipse">
+            <a:avLst/>
+          </a:prstGeom>
+          <a:solidFill>
+            <a:srgbClr val="00B0F0"/>
+          </a:solidFill>
+        </p:spPr>
+        <p:style>
+          <a:lnRef idx="2">
+            <a:schemeClr val="accent1">
+              <a:shade val="50000"/>
+            </a:schemeClr>
+          </a:lnRef>
+          <a:fillRef idx="1">
+            <a:schemeClr val="accent1"/>
+          </a:fillRef>
+          <a:effectRef idx="0">
+            <a:schemeClr val="accent1"/>
+          </a:effectRef>
+          <a:fontRef idx="minor">
+            <a:schemeClr val="lt1"/>
+          </a:fontRef>
+        </p:style>
+        <p:txBody>
+          <a:bodyPr rtlCol="0" anchor="ctr"/>
+          <a:lstStyle/>
+          <a:p>
+            <a:pPr algn="ctr"/>
+            <a:r>
+              <a:rPr lang="ko-KR" altLang="en-US" b="1" dirty="0">
+                <a:solidFill>
+                  <a:sysClr val="windowText" lastClr="000000"/>
+                </a:solidFill>
+              </a:rPr>
+              <a:t>시작</a:t>
+            </a:r>
+          </a:p>
+        </p:txBody>
+      </p:sp>
+      <p:sp>
+        <p:nvSpPr>
+          <p:cNvPr id="7" name="타원 6">
+            <a:extLst>
+              <a:ext uri="{FF2B5EF4-FFF2-40B4-BE49-F238E27FC236}">
+                <a16:creationId xmlns:a16="http://schemas.microsoft.com/office/drawing/2014/main" id="{E78A3D21-7B51-40C8-A0B4-A0BB1D1CC446}"/>
+              </a:ext>
+            </a:extLst>
+          </p:cNvPr>
+          <p:cNvSpPr/>
+          <p:nvPr/>
+        </p:nvSpPr>
+        <p:spPr>
+          <a:xfrm>
+            <a:off x="4778048" y="4792133"/>
+            <a:ext cx="1617044" cy="1479071"/>
+          </a:xfrm>
+          <a:prstGeom prst="ellipse">
+            <a:avLst/>
+          </a:prstGeom>
+          <a:solidFill>
+            <a:srgbClr val="D9D9D9">
+              <a:alpha val="40000"/>
+            </a:srgbClr>
+          </a:solidFill>
+          <a:ln w="57150">
+            <a:solidFill>
+              <a:srgbClr val="FFC000"/>
+            </a:solidFill>
+          </a:ln>
+        </p:spPr>
+        <p:style>
+          <a:lnRef idx="2">
+            <a:schemeClr val="accent1">
+              <a:shade val="50000"/>
+            </a:schemeClr>
+          </a:lnRef>
+          <a:fillRef idx="1">
+            <a:schemeClr val="accent1"/>
+          </a:fillRef>
+          <a:effectRef idx="0">
+            <a:schemeClr val="accent1"/>
+          </a:effectRef>
+          <a:fontRef idx="minor">
+            <a:schemeClr val="lt1"/>
+          </a:fontRef>
+        </p:style>
+        <p:txBody>
+          <a:bodyPr rtlCol="0" anchor="ctr"/>
+          <a:lstStyle/>
+          <a:p>
+            <a:pPr algn="ctr"/>
+            <a:r>
+              <a:rPr lang="en-US" altLang="ko-KR" b="1" dirty="0">
+                <a:solidFill>
+                  <a:sysClr val="windowText" lastClr="000000"/>
+                </a:solidFill>
+              </a:rPr>
+              <a:t>1</a:t>
+            </a:r>
+            <a:r>
+              <a:rPr lang="ko-KR" altLang="en-US" b="1" dirty="0">
+                <a:solidFill>
+                  <a:sysClr val="windowText" lastClr="000000"/>
+                </a:solidFill>
+              </a:rPr>
+              <a:t>차 퀴즈</a:t>
+            </a:r>
+          </a:p>
+        </p:txBody>
+      </p:sp>
+      <p:sp>
+        <p:nvSpPr>
+          <p:cNvPr id="9" name="타원 8">
+            <a:extLst>
+              <a:ext uri="{FF2B5EF4-FFF2-40B4-BE49-F238E27FC236}">
+                <a16:creationId xmlns:a16="http://schemas.microsoft.com/office/drawing/2014/main" id="{8036A6BF-7994-43B4-9988-6EC33972624C}"/>
+              </a:ext>
+            </a:extLst>
+          </p:cNvPr>
+          <p:cNvSpPr/>
+          <p:nvPr/>
+        </p:nvSpPr>
+        <p:spPr>
+          <a:xfrm>
+            <a:off x="8215515" y="3429000"/>
+            <a:ext cx="1617044" cy="1479071"/>
+          </a:xfrm>
+          <a:prstGeom prst="ellipse">
+            <a:avLst/>
+          </a:prstGeom>
+          <a:solidFill>
+            <a:srgbClr val="D9D9D9">
+              <a:alpha val="40000"/>
+            </a:srgbClr>
+          </a:solidFill>
+          <a:ln w="57150">
+            <a:solidFill>
+              <a:srgbClr val="FFC000"/>
+            </a:solidFill>
+          </a:ln>
+        </p:spPr>
+        <p:style>
+          <a:lnRef idx="2">
+            <a:schemeClr val="accent1">
+              <a:shade val="50000"/>
+            </a:schemeClr>
+          </a:lnRef>
+          <a:fillRef idx="1">
+            <a:schemeClr val="accent1"/>
+          </a:fillRef>
+          <a:effectRef idx="0">
+            <a:schemeClr val="accent1"/>
+          </a:effectRef>
+          <a:fontRef idx="minor">
+            <a:schemeClr val="lt1"/>
+          </a:fontRef>
+        </p:style>
+        <p:txBody>
+          <a:bodyPr rtlCol="0" anchor="ctr"/>
+          <a:lstStyle/>
+          <a:p>
+            <a:pPr algn="ctr"/>
+            <a:r>
+              <a:rPr lang="en-US" altLang="ko-KR" b="1" dirty="0">
+                <a:solidFill>
+                  <a:sysClr val="windowText" lastClr="000000"/>
+                </a:solidFill>
+              </a:rPr>
+              <a:t>2</a:t>
+            </a:r>
+            <a:r>
+              <a:rPr lang="ko-KR" altLang="en-US" b="1" dirty="0">
+                <a:solidFill>
+                  <a:sysClr val="windowText" lastClr="000000"/>
+                </a:solidFill>
+              </a:rPr>
+              <a:t>차 퀴즈</a:t>
+            </a:r>
+          </a:p>
+        </p:txBody>
+      </p:sp>
+      <p:sp>
+        <p:nvSpPr>
+          <p:cNvPr id="10" name="타원 9">
+            <a:extLst>
+              <a:ext uri="{FF2B5EF4-FFF2-40B4-BE49-F238E27FC236}">
+                <a16:creationId xmlns:a16="http://schemas.microsoft.com/office/drawing/2014/main" id="{7D4DEA9E-E47A-4CE9-9FDF-B063DF68AA6B}"/>
+              </a:ext>
+            </a:extLst>
+          </p:cNvPr>
+          <p:cNvSpPr/>
+          <p:nvPr/>
+        </p:nvSpPr>
+        <p:spPr>
+          <a:xfrm>
+            <a:off x="6395092" y="1274834"/>
+            <a:ext cx="1617044" cy="1479071"/>
+          </a:xfrm>
+          <a:prstGeom prst="ellipse">
+            <a:avLst/>
+          </a:prstGeom>
+          <a:solidFill>
+            <a:srgbClr val="D9D9D9">
+              <a:alpha val="40000"/>
+            </a:srgbClr>
+          </a:solidFill>
+          <a:ln w="57150">
+            <a:solidFill>
+              <a:srgbClr val="FFC000"/>
+            </a:solidFill>
+          </a:ln>
+        </p:spPr>
+        <p:style>
+          <a:lnRef idx="2">
+            <a:schemeClr val="accent1">
+              <a:shade val="50000"/>
+            </a:schemeClr>
+          </a:lnRef>
+          <a:fillRef idx="1">
+            <a:schemeClr val="accent1"/>
+          </a:fillRef>
+          <a:effectRef idx="0">
+            <a:schemeClr val="accent1"/>
+          </a:effectRef>
+          <a:fontRef idx="minor">
+            <a:schemeClr val="lt1"/>
+          </a:fontRef>
+        </p:style>
+        <p:txBody>
+          <a:bodyPr rtlCol="0" anchor="ctr"/>
+          <a:lstStyle/>
+          <a:p>
+            <a:pPr algn="ctr"/>
+            <a:r>
+              <a:rPr lang="en-US" altLang="ko-KR" b="1" dirty="0">
+                <a:solidFill>
+                  <a:sysClr val="windowText" lastClr="000000"/>
+                </a:solidFill>
+              </a:rPr>
+              <a:t>3</a:t>
+            </a:r>
+            <a:r>
+              <a:rPr lang="ko-KR" altLang="en-US" b="1" dirty="0">
+                <a:solidFill>
+                  <a:sysClr val="windowText" lastClr="000000"/>
+                </a:solidFill>
+              </a:rPr>
+              <a:t>차 퀴즈</a:t>
+            </a:r>
+          </a:p>
+        </p:txBody>
+      </p:sp>
+      <p:sp>
+        <p:nvSpPr>
+          <p:cNvPr id="11" name="타원 10">
+            <a:extLst>
+              <a:ext uri="{FF2B5EF4-FFF2-40B4-BE49-F238E27FC236}">
+                <a16:creationId xmlns:a16="http://schemas.microsoft.com/office/drawing/2014/main" id="{5001FA08-F5B0-482E-B499-F1AA07AD233E}"/>
+              </a:ext>
+            </a:extLst>
+          </p:cNvPr>
+          <p:cNvSpPr/>
+          <p:nvPr/>
+        </p:nvSpPr>
+        <p:spPr>
+          <a:xfrm>
+            <a:off x="4238048" y="1366164"/>
+            <a:ext cx="1080000" cy="1080000"/>
+          </a:xfrm>
+          <a:prstGeom prst="ellipse">
+            <a:avLst/>
+          </a:prstGeom>
+          <a:solidFill>
+            <a:srgbClr val="00B0F0"/>
+          </a:solidFill>
+        </p:spPr>
+        <p:style>
+          <a:lnRef idx="2">
+            <a:schemeClr val="accent1">
+              <a:shade val="50000"/>
+            </a:schemeClr>
+          </a:lnRef>
+          <a:fillRef idx="1">
+            <a:schemeClr val="accent1"/>
+          </a:fillRef>
+          <a:effectRef idx="0">
+            <a:schemeClr val="accent1"/>
+          </a:effectRef>
+          <a:fontRef idx="minor">
+            <a:schemeClr val="lt1"/>
+          </a:fontRef>
+        </p:style>
+        <p:txBody>
+          <a:bodyPr rtlCol="0" anchor="ctr"/>
+          <a:lstStyle/>
+          <a:p>
+            <a:pPr algn="ctr"/>
+            <a:r>
+              <a:rPr lang="ko-KR" altLang="en-US" b="1" dirty="0">
+                <a:solidFill>
+                  <a:sysClr val="windowText" lastClr="000000"/>
+                </a:solidFill>
+              </a:rPr>
+              <a:t>완료</a:t>
+            </a:r>
+          </a:p>
+        </p:txBody>
+      </p:sp>
+      <p:cxnSp>
+        <p:nvCxnSpPr>
+          <p:cNvPr id="13" name="직선 화살표 연결선 12">
+            <a:extLst>
+              <a:ext uri="{FF2B5EF4-FFF2-40B4-BE49-F238E27FC236}">
+                <a16:creationId xmlns:a16="http://schemas.microsoft.com/office/drawing/2014/main" id="{956EF2FD-0AD4-4127-A24C-D3D68B0A9EA4}"/>
+              </a:ext>
+            </a:extLst>
+          </p:cNvPr>
+          <p:cNvCxnSpPr>
+            <a:stCxn id="6" idx="6"/>
+            <a:endCxn id="7" idx="2"/>
+          </p:cNvCxnSpPr>
+          <p:nvPr/>
+        </p:nvCxnSpPr>
+        <p:spPr>
+          <a:xfrm flipV="1">
+            <a:off x="3083124" y="5531669"/>
+            <a:ext cx="1694924" cy="387695"/>
+          </a:xfrm>
+          <a:prstGeom prst="straightConnector1">
+            <a:avLst/>
+          </a:prstGeom>
+          <a:ln w="57150">
+            <a:solidFill>
+              <a:srgbClr val="FFC000"/>
+            </a:solidFill>
+            <a:prstDash val="sysDot"/>
+            <a:tailEnd type="triangle"/>
+          </a:ln>
+        </p:spPr>
+        <p:style>
+          <a:lnRef idx="1">
+            <a:schemeClr val="accent1"/>
+          </a:lnRef>
+          <a:fillRef idx="0">
+            <a:schemeClr val="accent1"/>
+          </a:fillRef>
+          <a:effectRef idx="0">
+            <a:schemeClr val="accent1"/>
+          </a:effectRef>
+          <a:fontRef idx="minor">
+            <a:schemeClr val="tx1"/>
+          </a:fontRef>
+        </p:style>
+      </p:cxnSp>
+      <p:cxnSp>
+        <p:nvCxnSpPr>
+          <p:cNvPr id="14" name="직선 화살표 연결선 13">
+            <a:extLst>
+              <a:ext uri="{FF2B5EF4-FFF2-40B4-BE49-F238E27FC236}">
+                <a16:creationId xmlns:a16="http://schemas.microsoft.com/office/drawing/2014/main" id="{E4AD6A67-EF4F-486B-ADB6-17BED2A5365F}"/>
+              </a:ext>
+            </a:extLst>
+          </p:cNvPr>
+          <p:cNvCxnSpPr>
+            <a:cxnSpLocks/>
+            <a:stCxn id="7" idx="6"/>
+            <a:endCxn id="9" idx="3"/>
+          </p:cNvCxnSpPr>
+          <p:nvPr/>
+        </p:nvCxnSpPr>
+        <p:spPr>
+          <a:xfrm flipV="1">
+            <a:off x="6395092" y="4691466"/>
+            <a:ext cx="2057234" cy="840203"/>
+          </a:xfrm>
+          <a:prstGeom prst="straightConnector1">
+            <a:avLst/>
+          </a:prstGeom>
+          <a:ln w="57150">
+            <a:solidFill>
+              <a:srgbClr val="FFC000"/>
+            </a:solidFill>
+            <a:prstDash val="sysDot"/>
+            <a:tailEnd type="triangle"/>
+          </a:ln>
+        </p:spPr>
+        <p:style>
+          <a:lnRef idx="1">
+            <a:schemeClr val="accent1"/>
+          </a:lnRef>
+          <a:fillRef idx="0">
+            <a:schemeClr val="accent1"/>
+          </a:fillRef>
+          <a:effectRef idx="0">
+            <a:schemeClr val="accent1"/>
+          </a:effectRef>
+          <a:fontRef idx="minor">
+            <a:schemeClr val="tx1"/>
+          </a:fontRef>
+        </p:style>
+      </p:cxnSp>
+      <p:cxnSp>
+        <p:nvCxnSpPr>
+          <p:cNvPr id="17" name="직선 화살표 연결선 16">
+            <a:extLst>
+              <a:ext uri="{FF2B5EF4-FFF2-40B4-BE49-F238E27FC236}">
+                <a16:creationId xmlns:a16="http://schemas.microsoft.com/office/drawing/2014/main" id="{7469827C-5B1C-4AE8-96B2-74F6C539CFBD}"/>
+              </a:ext>
+            </a:extLst>
+          </p:cNvPr>
+          <p:cNvCxnSpPr>
+            <a:cxnSpLocks/>
+            <a:stCxn id="9" idx="1"/>
+            <a:endCxn id="10" idx="5"/>
+          </p:cNvCxnSpPr>
+          <p:nvPr/>
+        </p:nvCxnSpPr>
+        <p:spPr>
+          <a:xfrm flipH="1" flipV="1">
+            <a:off x="7775325" y="2537300"/>
+            <a:ext cx="677001" cy="1108305"/>
+          </a:xfrm>
+          <a:prstGeom prst="straightConnector1">
+            <a:avLst/>
+          </a:prstGeom>
+          <a:ln w="57150">
+            <a:solidFill>
+              <a:srgbClr val="FFC000"/>
+            </a:solidFill>
+            <a:prstDash val="sysDot"/>
+            <a:tailEnd type="triangle"/>
+          </a:ln>
+        </p:spPr>
+        <p:style>
+          <a:lnRef idx="1">
+            <a:schemeClr val="accent1"/>
+          </a:lnRef>
+          <a:fillRef idx="0">
+            <a:schemeClr val="accent1"/>
+          </a:fillRef>
+          <a:effectRef idx="0">
+            <a:schemeClr val="accent1"/>
+          </a:effectRef>
+          <a:fontRef idx="minor">
+            <a:schemeClr val="tx1"/>
+          </a:fontRef>
+        </p:style>
+      </p:cxnSp>
+      <p:cxnSp>
+        <p:nvCxnSpPr>
+          <p:cNvPr id="20" name="직선 화살표 연결선 19">
+            <a:extLst>
+              <a:ext uri="{FF2B5EF4-FFF2-40B4-BE49-F238E27FC236}">
+                <a16:creationId xmlns:a16="http://schemas.microsoft.com/office/drawing/2014/main" id="{5FF88E9E-509C-4A0B-83A1-55875D73DBC3}"/>
+              </a:ext>
+            </a:extLst>
+          </p:cNvPr>
+          <p:cNvCxnSpPr>
+            <a:cxnSpLocks/>
+            <a:stCxn id="10" idx="2"/>
+            <a:endCxn id="11" idx="6"/>
+          </p:cNvCxnSpPr>
+          <p:nvPr/>
+        </p:nvCxnSpPr>
+        <p:spPr>
+          <a:xfrm flipH="1" flipV="1">
+            <a:off x="5318048" y="1906164"/>
+            <a:ext cx="1077044" cy="108206"/>
+          </a:xfrm>
+          <a:prstGeom prst="straightConnector1">
+            <a:avLst/>
+          </a:prstGeom>
+          <a:ln w="57150">
+            <a:solidFill>
+              <a:srgbClr val="FFC000"/>
+            </a:solidFill>
+            <a:prstDash val="sysDot"/>
+            <a:tailEnd type="triangle"/>
+          </a:ln>
+        </p:spPr>
+        <p:style>
+          <a:lnRef idx="1">
+            <a:schemeClr val="accent1"/>
+          </a:lnRef>
+          <a:fillRef idx="0">
+            <a:schemeClr val="accent1"/>
+          </a:fillRef>
+          <a:effectRef idx="0">
+            <a:schemeClr val="accent1"/>
+          </a:effectRef>
+          <a:fontRef idx="minor">
+            <a:schemeClr val="tx1"/>
+          </a:fontRef>
+        </p:style>
+      </p:cxnSp>
+      <p:sp>
+        <p:nvSpPr>
+          <p:cNvPr id="25" name="직사각형 24">
+            <a:extLst>
+              <a:ext uri="{FF2B5EF4-FFF2-40B4-BE49-F238E27FC236}">
+                <a16:creationId xmlns:a16="http://schemas.microsoft.com/office/drawing/2014/main" id="{81EB4D28-3DD3-4288-8FFD-BB1532172923}"/>
+              </a:ext>
+            </a:extLst>
+          </p:cNvPr>
+          <p:cNvSpPr/>
+          <p:nvPr/>
+        </p:nvSpPr>
+        <p:spPr>
+          <a:xfrm rot="20270799">
+            <a:off x="6887593" y="5210181"/>
+            <a:ext cx="1617044" cy="1179179"/>
+          </a:xfrm>
+          <a:prstGeom prst="rect">
+            <a:avLst/>
+          </a:prstGeom>
+          <a:solidFill>
+            <a:srgbClr val="D9D9D9">
+              <a:alpha val="40000"/>
+            </a:srgbClr>
+          </a:solidFill>
+          <a:ln w="57150">
+            <a:solidFill>
+              <a:srgbClr val="92D050"/>
+            </a:solidFill>
+          </a:ln>
+        </p:spPr>
+        <p:style>
+          <a:lnRef idx="2">
+            <a:schemeClr val="accent1">
+              <a:shade val="50000"/>
+            </a:schemeClr>
+          </a:lnRef>
+          <a:fillRef idx="1">
+            <a:schemeClr val="accent1"/>
+          </a:fillRef>
+          <a:effectRef idx="0">
+            <a:schemeClr val="accent1"/>
+          </a:effectRef>
+          <a:fontRef idx="minor">
+            <a:schemeClr val="lt1"/>
+          </a:fontRef>
+        </p:style>
+        <p:txBody>
+          <a:bodyPr rtlCol="0" anchor="ctr"/>
+          <a:lstStyle/>
+          <a:p>
+            <a:pPr algn="ctr"/>
+            <a:r>
+              <a:rPr lang="en-US" altLang="ko-KR" sz="1100" b="1" dirty="0">
+                <a:solidFill>
+                  <a:sysClr val="windowText" lastClr="000000"/>
+                </a:solidFill>
+              </a:rPr>
+              <a:t>&lt;</a:t>
+            </a:r>
+            <a:r>
+              <a:rPr lang="ko-KR" altLang="en-US" sz="1100" b="1" dirty="0">
+                <a:solidFill>
+                  <a:sysClr val="windowText" lastClr="000000"/>
+                </a:solidFill>
+              </a:rPr>
+              <a:t>이동시 연출</a:t>
+            </a:r>
+            <a:r>
+              <a:rPr lang="en-US" altLang="ko-KR" sz="1100" b="1" dirty="0">
+                <a:solidFill>
+                  <a:sysClr val="windowText" lastClr="000000"/>
+                </a:solidFill>
+              </a:rPr>
+              <a:t>&gt;</a:t>
+            </a:r>
+          </a:p>
+          <a:p>
+            <a:pPr algn="ctr"/>
+            <a:r>
+              <a:rPr lang="ko-KR" altLang="en-US" sz="1100" b="1" dirty="0">
+                <a:solidFill>
+                  <a:sysClr val="windowText" lastClr="000000"/>
+                </a:solidFill>
+              </a:rPr>
+              <a:t>덩굴을 잡고 절벽 사이를 </a:t>
+            </a:r>
+            <a:r>
+              <a:rPr lang="ko-KR" altLang="en-US" sz="1100" b="1" dirty="0" err="1">
+                <a:solidFill>
+                  <a:sysClr val="windowText" lastClr="000000"/>
+                </a:solidFill>
+              </a:rPr>
+              <a:t>지나감</a:t>
+            </a:r>
+            <a:endParaRPr lang="en-US" altLang="ko-KR" sz="1100" b="1" dirty="0">
+              <a:solidFill>
+                <a:sysClr val="windowText" lastClr="000000"/>
+              </a:solidFill>
+            </a:endParaRPr>
+          </a:p>
+          <a:p>
+            <a:pPr algn="ctr"/>
+            <a:r>
+              <a:rPr lang="ko-KR" altLang="en-US" sz="1100" b="1" dirty="0">
+                <a:solidFill>
+                  <a:sysClr val="windowText" lastClr="000000"/>
+                </a:solidFill>
+              </a:rPr>
+              <a:t>타잔 </a:t>
+            </a:r>
+            <a:r>
+              <a:rPr lang="en-US" altLang="ko-KR" sz="1100" b="1" dirty="0">
+                <a:solidFill>
+                  <a:sysClr val="windowText" lastClr="000000"/>
+                </a:solidFill>
+              </a:rPr>
+              <a:t>: </a:t>
+            </a:r>
+            <a:r>
+              <a:rPr lang="ko-KR" altLang="en-US" sz="1100" b="1" dirty="0" err="1">
+                <a:solidFill>
+                  <a:sysClr val="windowText" lastClr="000000"/>
+                </a:solidFill>
+              </a:rPr>
+              <a:t>아아아</a:t>
+            </a:r>
+            <a:r>
+              <a:rPr lang="en-US" altLang="ko-KR" sz="1100" b="1" dirty="0">
+                <a:solidFill>
+                  <a:sysClr val="windowText" lastClr="000000"/>
+                </a:solidFill>
+              </a:rPr>
+              <a:t>~~ </a:t>
+            </a:r>
+            <a:endParaRPr lang="ko-KR" altLang="en-US" sz="1100" b="1" dirty="0">
+              <a:solidFill>
+                <a:sysClr val="windowText" lastClr="000000"/>
+              </a:solidFill>
+            </a:endParaRPr>
+          </a:p>
+        </p:txBody>
+      </p:sp>
+    </p:spTree>
+    <p:extLst>
+      <p:ext uri="{BB962C8B-B14F-4D97-AF65-F5344CB8AC3E}">
+        <p14:creationId xmlns:p14="http://schemas.microsoft.com/office/powerpoint/2010/main" val="3165742135"/>
+      </p:ext>
+    </p:extLst>
+  </p:cSld>
+  <p:clrMapOvr>
+    <a:masterClrMapping/>
+  </p:clrMapOvr>
+</p:sld>
+</file>
+
+<file path=ppt/slides/slide13.xml><?xml version="1.0" encoding="utf-8"?>
+<p:sld xmlns:a="http://schemas.openxmlformats.org/drawingml/2006/main" xmlns:r="http://schemas.openxmlformats.org/officeDocument/2006/relationships" xmlns:p="http://schemas.openxmlformats.org/presentationml/2006/main">
+  <p:cSld>
+    <p:spTree>
+      <p:nvGrpSpPr>
+        <p:cNvPr id="1" name=""/>
+        <p:cNvGrpSpPr/>
+        <p:nvPr/>
+      </p:nvGrpSpPr>
+      <p:grpSpPr>
+        <a:xfrm>
+          <a:off x="0" y="0"/>
+          <a:ext cx="0" cy="0"/>
+          <a:chOff x="0" y="0"/>
+          <a:chExt cx="0" cy="0"/>
+        </a:xfrm>
+      </p:grpSpPr>
+      <p:pic>
+        <p:nvPicPr>
+          <p:cNvPr id="4" name="그림 3">
+            <a:extLst>
+              <a:ext uri="{FF2B5EF4-FFF2-40B4-BE49-F238E27FC236}">
+                <a16:creationId xmlns:a16="http://schemas.microsoft.com/office/drawing/2014/main" id="{BF68BCBC-6D58-4CF1-A1B9-0ABBF5550A26}"/>
+              </a:ext>
+            </a:extLst>
+          </p:cNvPr>
+          <p:cNvPicPr>
+            <a:picLocks noChangeAspect="1"/>
+          </p:cNvPicPr>
+          <p:nvPr/>
+        </p:nvPicPr>
+        <p:blipFill>
+          <a:blip r:embed="rId2"/>
+          <a:stretch>
+            <a:fillRect/>
+          </a:stretch>
+        </p:blipFill>
+        <p:spPr>
+          <a:xfrm>
+            <a:off x="1252537" y="715678"/>
+            <a:ext cx="9686925" cy="5676900"/>
+          </a:xfrm>
+          <a:prstGeom prst="rect">
+            <a:avLst/>
+          </a:prstGeom>
+        </p:spPr>
+      </p:pic>
+      <p:sp>
+        <p:nvSpPr>
+          <p:cNvPr id="15" name="TextBox 14">
+            <a:extLst>
+              <a:ext uri="{FF2B5EF4-FFF2-40B4-BE49-F238E27FC236}">
+                <a16:creationId xmlns:a16="http://schemas.microsoft.com/office/drawing/2014/main" id="{83036FE6-563F-4FE0-80F0-9DD4A5DEEEFA}"/>
+              </a:ext>
+            </a:extLst>
+          </p:cNvPr>
+          <p:cNvSpPr txBox="1"/>
+          <p:nvPr/>
+        </p:nvSpPr>
+        <p:spPr>
+          <a:xfrm>
+            <a:off x="0" y="124008"/>
+            <a:ext cx="4013200" cy="461665"/>
+          </a:xfrm>
+          <a:prstGeom prst="rect">
+            <a:avLst/>
+          </a:prstGeom>
+          <a:solidFill>
+            <a:schemeClr val="tx1"/>
+          </a:solidFill>
+        </p:spPr>
+        <p:txBody>
+          <a:bodyPr wrap="square" rtlCol="0">
+            <a:spAutoFit/>
+          </a:bodyPr>
+          <a:lstStyle/>
+          <a:p>
+            <a:pPr algn="ctr"/>
+            <a:r>
+              <a:rPr lang="ko-KR" altLang="en-US" sz="2400" b="1" dirty="0">
+                <a:solidFill>
+                  <a:schemeClr val="bg1"/>
+                </a:solidFill>
+              </a:rPr>
+              <a:t>맵 아이디어 </a:t>
+            </a:r>
+            <a:r>
+              <a:rPr lang="en-US" altLang="ko-KR" sz="2400" b="1" dirty="0">
+                <a:solidFill>
+                  <a:schemeClr val="bg1"/>
+                </a:solidFill>
+              </a:rPr>
+              <a:t>– </a:t>
+            </a:r>
+            <a:r>
+              <a:rPr lang="ko-KR" altLang="en-US" sz="2400" b="1" dirty="0">
+                <a:solidFill>
+                  <a:schemeClr val="bg1"/>
+                </a:solidFill>
+              </a:rPr>
+              <a:t>레벨 컨셉</a:t>
+            </a:r>
+          </a:p>
+        </p:txBody>
+      </p:sp>
+      <p:sp>
+        <p:nvSpPr>
+          <p:cNvPr id="2" name="직사각형 1">
+            <a:extLst>
+              <a:ext uri="{FF2B5EF4-FFF2-40B4-BE49-F238E27FC236}">
+                <a16:creationId xmlns:a16="http://schemas.microsoft.com/office/drawing/2014/main" id="{74783A82-EC9E-4C8C-A481-FB86A0DA7B20}"/>
+              </a:ext>
+            </a:extLst>
+          </p:cNvPr>
+          <p:cNvSpPr/>
+          <p:nvPr/>
+        </p:nvSpPr>
+        <p:spPr>
+          <a:xfrm>
+            <a:off x="2404533" y="2218267"/>
+            <a:ext cx="3269018" cy="4174311"/>
+          </a:xfrm>
+          <a:prstGeom prst="rect">
+            <a:avLst/>
+          </a:prstGeom>
+          <a:solidFill>
+            <a:srgbClr val="FFC000">
+              <a:alpha val="40000"/>
+            </a:srgbClr>
+          </a:solidFill>
+          <a:ln>
+            <a:solidFill>
+              <a:srgbClr val="FFC000"/>
+            </a:solidFill>
+          </a:ln>
+        </p:spPr>
+        <p:style>
+          <a:lnRef idx="2">
+            <a:schemeClr val="accent1">
+              <a:shade val="50000"/>
+            </a:schemeClr>
+          </a:lnRef>
+          <a:fillRef idx="1">
+            <a:schemeClr val="accent1"/>
+          </a:fillRef>
+          <a:effectRef idx="0">
+            <a:schemeClr val="accent1"/>
+          </a:effectRef>
+          <a:fontRef idx="minor">
+            <a:schemeClr val="lt1"/>
+          </a:fontRef>
+        </p:style>
+        <p:txBody>
+          <a:bodyPr rtlCol="0" anchor="ctr"/>
+          <a:lstStyle/>
+          <a:p>
+            <a:pPr algn="ctr"/>
+            <a:r>
+              <a:rPr lang="en-US" altLang="ko-KR" sz="1050" dirty="0">
+                <a:solidFill>
+                  <a:schemeClr val="tx1"/>
+                </a:solidFill>
+              </a:rPr>
+              <a:t>1</a:t>
+            </a:r>
+            <a:r>
+              <a:rPr lang="ko-KR" altLang="en-US" sz="1050" dirty="0">
+                <a:solidFill>
+                  <a:schemeClr val="tx1"/>
+                </a:solidFill>
+              </a:rPr>
+              <a:t>차 퀴즈 지역</a:t>
+            </a:r>
+            <a:endParaRPr lang="en-US" altLang="ko-KR" sz="1050" dirty="0">
+              <a:solidFill>
+                <a:schemeClr val="tx1"/>
+              </a:solidFill>
+            </a:endParaRPr>
+          </a:p>
+          <a:p>
+            <a:pPr algn="ctr"/>
+            <a:r>
+              <a:rPr lang="ko-KR" altLang="en-US" sz="1050" dirty="0">
+                <a:solidFill>
+                  <a:schemeClr val="tx1"/>
+                </a:solidFill>
+              </a:rPr>
+              <a:t>해저 동굴</a:t>
+            </a:r>
+            <a:r>
+              <a:rPr lang="en-US" altLang="ko-KR" sz="1050" dirty="0">
+                <a:solidFill>
+                  <a:schemeClr val="tx1"/>
+                </a:solidFill>
+              </a:rPr>
+              <a:t>, </a:t>
+            </a:r>
+            <a:r>
+              <a:rPr lang="ko-KR" altLang="en-US" sz="1050" dirty="0">
+                <a:solidFill>
+                  <a:schemeClr val="tx1"/>
+                </a:solidFill>
+              </a:rPr>
+              <a:t>폭포 컨셉</a:t>
+            </a:r>
+            <a:endParaRPr lang="en-US" altLang="ko-KR" sz="1050" dirty="0">
+              <a:solidFill>
+                <a:schemeClr val="tx1"/>
+              </a:solidFill>
+            </a:endParaRPr>
+          </a:p>
+          <a:p>
+            <a:pPr algn="ctr"/>
+            <a:endParaRPr lang="en-US" altLang="ko-KR" sz="1050" dirty="0">
+              <a:solidFill>
+                <a:schemeClr val="tx1"/>
+              </a:solidFill>
+            </a:endParaRPr>
+          </a:p>
+          <a:p>
+            <a:pPr algn="ctr"/>
+            <a:r>
+              <a:rPr lang="ko-KR" altLang="en-US" sz="1050" dirty="0">
+                <a:solidFill>
+                  <a:schemeClr val="tx1"/>
+                </a:solidFill>
+              </a:rPr>
+              <a:t>책이나 무언가를 움직여서</a:t>
+            </a:r>
+            <a:endParaRPr lang="en-US" altLang="ko-KR" sz="1050" dirty="0">
+              <a:solidFill>
+                <a:schemeClr val="tx1"/>
+              </a:solidFill>
+            </a:endParaRPr>
+          </a:p>
+          <a:p>
+            <a:pPr algn="ctr"/>
+            <a:r>
+              <a:rPr lang="ko-KR" altLang="en-US" sz="1050" dirty="0">
+                <a:solidFill>
+                  <a:schemeClr val="tx1"/>
+                </a:solidFill>
+              </a:rPr>
+              <a:t>책장을 딛고 올라간다는 퀴즈 컨셉</a:t>
+            </a:r>
+            <a:endParaRPr lang="en-US" altLang="ko-KR" sz="1050" dirty="0">
+              <a:solidFill>
+                <a:schemeClr val="tx1"/>
+              </a:solidFill>
+            </a:endParaRPr>
+          </a:p>
+          <a:p>
+            <a:pPr algn="ctr"/>
+            <a:endParaRPr lang="en-US" altLang="ko-KR" sz="1050" dirty="0">
+              <a:solidFill>
+                <a:schemeClr val="tx1"/>
+              </a:solidFill>
+            </a:endParaRPr>
+          </a:p>
+          <a:p>
+            <a:pPr algn="ctr"/>
+            <a:r>
+              <a:rPr lang="ko-KR" altLang="en-US" sz="1050" dirty="0">
+                <a:solidFill>
+                  <a:schemeClr val="tx1"/>
+                </a:solidFill>
+              </a:rPr>
+              <a:t>다음 지역으로 이동할 때 </a:t>
+            </a:r>
+            <a:endParaRPr lang="en-US" altLang="ko-KR" sz="1050" dirty="0">
+              <a:solidFill>
+                <a:schemeClr val="tx1"/>
+              </a:solidFill>
+            </a:endParaRPr>
+          </a:p>
+          <a:p>
+            <a:pPr algn="ctr"/>
+            <a:r>
+              <a:rPr lang="ko-KR" altLang="en-US" sz="1050" dirty="0">
+                <a:solidFill>
+                  <a:schemeClr val="tx1"/>
+                </a:solidFill>
+              </a:rPr>
+              <a:t>타잔처럼 </a:t>
+            </a:r>
+            <a:r>
+              <a:rPr lang="ko-KR" altLang="en-US" sz="1050" dirty="0" err="1">
+                <a:solidFill>
+                  <a:schemeClr val="tx1"/>
+                </a:solidFill>
+              </a:rPr>
+              <a:t>아아아</a:t>
+            </a:r>
+            <a:r>
+              <a:rPr lang="en-US" altLang="ko-KR" sz="1050" dirty="0">
+                <a:solidFill>
+                  <a:schemeClr val="tx1"/>
+                </a:solidFill>
+              </a:rPr>
+              <a:t>~~ </a:t>
+            </a:r>
+            <a:r>
+              <a:rPr lang="ko-KR" altLang="en-US" sz="1050" dirty="0">
+                <a:solidFill>
+                  <a:schemeClr val="tx1"/>
+                </a:solidFill>
+              </a:rPr>
+              <a:t>하는 개그 요소 넣을 것</a:t>
+            </a:r>
+            <a:endParaRPr lang="en-US" altLang="ko-KR" sz="1050" dirty="0">
+              <a:solidFill>
+                <a:schemeClr val="tx1"/>
+              </a:solidFill>
+            </a:endParaRPr>
+          </a:p>
+        </p:txBody>
+      </p:sp>
+      <p:sp>
+        <p:nvSpPr>
+          <p:cNvPr id="16" name="직사각형 15">
+            <a:extLst>
+              <a:ext uri="{FF2B5EF4-FFF2-40B4-BE49-F238E27FC236}">
+                <a16:creationId xmlns:a16="http://schemas.microsoft.com/office/drawing/2014/main" id="{54F00FB0-CA7A-4565-BDBB-A18ADB36C886}"/>
+              </a:ext>
+            </a:extLst>
+          </p:cNvPr>
+          <p:cNvSpPr/>
+          <p:nvPr/>
+        </p:nvSpPr>
+        <p:spPr>
+          <a:xfrm rot="20582795">
+            <a:off x="6857999" y="3227672"/>
+            <a:ext cx="3860800" cy="2904311"/>
+          </a:xfrm>
+          <a:prstGeom prst="rect">
+            <a:avLst/>
+          </a:prstGeom>
+          <a:solidFill>
+            <a:srgbClr val="FFC000">
+              <a:alpha val="40000"/>
+            </a:srgbClr>
+          </a:solidFill>
+          <a:ln>
+            <a:solidFill>
+              <a:srgbClr val="FFC000"/>
+            </a:solidFill>
+          </a:ln>
+        </p:spPr>
+        <p:style>
+          <a:lnRef idx="2">
+            <a:schemeClr val="accent1">
+              <a:shade val="50000"/>
+            </a:schemeClr>
+          </a:lnRef>
+          <a:fillRef idx="1">
+            <a:schemeClr val="accent1"/>
+          </a:fillRef>
+          <a:effectRef idx="0">
+            <a:schemeClr val="accent1"/>
+          </a:effectRef>
+          <a:fontRef idx="minor">
+            <a:schemeClr val="lt1"/>
+          </a:fontRef>
+        </p:style>
+        <p:txBody>
+          <a:bodyPr rtlCol="0" anchor="ctr"/>
+          <a:lstStyle/>
+          <a:p>
+            <a:pPr algn="ctr"/>
+            <a:r>
+              <a:rPr lang="en-US" altLang="ko-KR" sz="1050" dirty="0">
+                <a:solidFill>
+                  <a:schemeClr val="tx1"/>
+                </a:solidFill>
+              </a:rPr>
+              <a:t>2</a:t>
+            </a:r>
+            <a:r>
+              <a:rPr lang="ko-KR" altLang="en-US" sz="1050" dirty="0">
+                <a:solidFill>
+                  <a:schemeClr val="tx1"/>
+                </a:solidFill>
+              </a:rPr>
+              <a:t>차 퀴즈 지역</a:t>
+            </a:r>
+            <a:endParaRPr lang="en-US" altLang="ko-KR" sz="1050" dirty="0">
+              <a:solidFill>
+                <a:schemeClr val="tx1"/>
+              </a:solidFill>
+            </a:endParaRPr>
+          </a:p>
+          <a:p>
+            <a:pPr algn="ctr"/>
+            <a:r>
+              <a:rPr lang="ko-KR" altLang="en-US" sz="1050" dirty="0">
+                <a:solidFill>
+                  <a:schemeClr val="tx1"/>
+                </a:solidFill>
+              </a:rPr>
+              <a:t>정글 컨셉</a:t>
+            </a:r>
+            <a:endParaRPr lang="en-US" altLang="ko-KR" sz="1050" dirty="0">
+              <a:solidFill>
+                <a:schemeClr val="tx1"/>
+              </a:solidFill>
+            </a:endParaRPr>
+          </a:p>
+          <a:p>
+            <a:pPr algn="ctr"/>
+            <a:endParaRPr lang="en-US" altLang="ko-KR" sz="1050" dirty="0">
+              <a:solidFill>
+                <a:schemeClr val="tx1"/>
+              </a:solidFill>
+            </a:endParaRPr>
+          </a:p>
+          <a:p>
+            <a:pPr algn="ctr"/>
+            <a:r>
+              <a:rPr lang="ko-KR" altLang="en-US" sz="1050" dirty="0">
+                <a:solidFill>
+                  <a:schemeClr val="tx1"/>
+                </a:solidFill>
+              </a:rPr>
+              <a:t>아직 미정</a:t>
+            </a:r>
+            <a:endParaRPr lang="en-US" altLang="ko-KR" sz="1050" dirty="0">
+              <a:solidFill>
+                <a:schemeClr val="tx1"/>
+              </a:solidFill>
+            </a:endParaRPr>
+          </a:p>
+        </p:txBody>
+      </p:sp>
+      <p:sp>
+        <p:nvSpPr>
+          <p:cNvPr id="18" name="직사각형 17">
+            <a:extLst>
+              <a:ext uri="{FF2B5EF4-FFF2-40B4-BE49-F238E27FC236}">
+                <a16:creationId xmlns:a16="http://schemas.microsoft.com/office/drawing/2014/main" id="{D0497628-B9AF-45F9-89F0-352EF694C8F7}"/>
+              </a:ext>
+            </a:extLst>
+          </p:cNvPr>
+          <p:cNvSpPr/>
+          <p:nvPr/>
+        </p:nvSpPr>
+        <p:spPr>
+          <a:xfrm rot="20823059">
+            <a:off x="5441510" y="395643"/>
+            <a:ext cx="3860800" cy="2904311"/>
+          </a:xfrm>
+          <a:prstGeom prst="rect">
+            <a:avLst/>
+          </a:prstGeom>
+          <a:solidFill>
+            <a:srgbClr val="FFC000">
+              <a:alpha val="40000"/>
+            </a:srgbClr>
+          </a:solidFill>
+          <a:ln>
+            <a:solidFill>
+              <a:srgbClr val="FFC000"/>
+            </a:solidFill>
+          </a:ln>
+        </p:spPr>
+        <p:style>
+          <a:lnRef idx="2">
+            <a:schemeClr val="accent1">
+              <a:shade val="50000"/>
+            </a:schemeClr>
+          </a:lnRef>
+          <a:fillRef idx="1">
+            <a:schemeClr val="accent1"/>
+          </a:fillRef>
+          <a:effectRef idx="0">
+            <a:schemeClr val="accent1"/>
+          </a:effectRef>
+          <a:fontRef idx="minor">
+            <a:schemeClr val="lt1"/>
+          </a:fontRef>
+        </p:style>
+        <p:txBody>
+          <a:bodyPr rtlCol="0" anchor="ctr"/>
+          <a:lstStyle/>
+          <a:p>
+            <a:pPr algn="ctr"/>
+            <a:r>
+              <a:rPr lang="en-US" altLang="ko-KR" sz="1050" dirty="0">
+                <a:solidFill>
+                  <a:schemeClr val="tx1"/>
+                </a:solidFill>
+              </a:rPr>
+              <a:t>3</a:t>
+            </a:r>
+            <a:r>
+              <a:rPr lang="ko-KR" altLang="en-US" sz="1050" dirty="0">
+                <a:solidFill>
+                  <a:schemeClr val="tx1"/>
+                </a:solidFill>
+              </a:rPr>
+              <a:t>차 퀴즈 지역</a:t>
+            </a:r>
+            <a:endParaRPr lang="en-US" altLang="ko-KR" sz="1050" dirty="0">
+              <a:solidFill>
+                <a:schemeClr val="tx1"/>
+              </a:solidFill>
+            </a:endParaRPr>
+          </a:p>
+          <a:p>
+            <a:pPr algn="ctr"/>
+            <a:r>
+              <a:rPr lang="ko-KR" altLang="en-US" sz="1050" dirty="0">
+                <a:solidFill>
+                  <a:schemeClr val="tx1"/>
+                </a:solidFill>
+              </a:rPr>
+              <a:t>정글 컨셉</a:t>
+            </a:r>
+            <a:endParaRPr lang="en-US" altLang="ko-KR" sz="1050" dirty="0">
+              <a:solidFill>
+                <a:schemeClr val="tx1"/>
+              </a:solidFill>
+            </a:endParaRPr>
+          </a:p>
+          <a:p>
+            <a:pPr algn="ctr"/>
+            <a:endParaRPr lang="en-US" altLang="ko-KR" sz="1050" dirty="0">
+              <a:solidFill>
+                <a:schemeClr val="tx1"/>
+              </a:solidFill>
+            </a:endParaRPr>
+          </a:p>
+          <a:p>
+            <a:pPr algn="ctr"/>
+            <a:r>
+              <a:rPr lang="ko-KR" altLang="en-US" sz="1050" dirty="0">
+                <a:solidFill>
+                  <a:schemeClr val="tx1"/>
+                </a:solidFill>
+              </a:rPr>
+              <a:t>위험한 동물들이 등장함</a:t>
+            </a:r>
+            <a:endParaRPr lang="en-US" altLang="ko-KR" sz="1050" dirty="0">
+              <a:solidFill>
+                <a:schemeClr val="tx1"/>
+              </a:solidFill>
+            </a:endParaRPr>
+          </a:p>
+          <a:p>
+            <a:pPr algn="ctr"/>
+            <a:r>
+              <a:rPr lang="ko-KR" altLang="en-US" sz="1050" dirty="0">
+                <a:solidFill>
+                  <a:schemeClr val="tx1"/>
+                </a:solidFill>
+              </a:rPr>
+              <a:t>개와 함께 위기를 </a:t>
+            </a:r>
+            <a:r>
+              <a:rPr lang="ko-KR" altLang="en-US" sz="1050" dirty="0" err="1">
+                <a:solidFill>
+                  <a:schemeClr val="tx1"/>
+                </a:solidFill>
+              </a:rPr>
+              <a:t>헤쳐감</a:t>
+            </a:r>
+            <a:endParaRPr lang="en-US" altLang="ko-KR" sz="1050" dirty="0">
+              <a:solidFill>
+                <a:schemeClr val="tx1"/>
+              </a:solidFill>
+            </a:endParaRPr>
+          </a:p>
+        </p:txBody>
+      </p:sp>
+    </p:spTree>
+    <p:extLst>
+      <p:ext uri="{BB962C8B-B14F-4D97-AF65-F5344CB8AC3E}">
+        <p14:creationId xmlns:p14="http://schemas.microsoft.com/office/powerpoint/2010/main" val="2561452372"/>
+      </p:ext>
+    </p:extLst>
+  </p:cSld>
+  <p:clrMapOvr>
+    <a:masterClrMapping/>
+  </p:clrMapOvr>
+</p:sld>
+</file>
+
+<file path=ppt/slides/slide14.xml><?xml version="1.0" encoding="utf-8"?>
+<p:sld xmlns:a="http://schemas.openxmlformats.org/drawingml/2006/main" xmlns:r="http://schemas.openxmlformats.org/officeDocument/2006/relationships" xmlns:p="http://schemas.openxmlformats.org/presentationml/2006/main">
+  <p:cSld>
+    <p:spTree>
+      <p:nvGrpSpPr>
+        <p:cNvPr id="1" name=""/>
+        <p:cNvGrpSpPr/>
+        <p:nvPr/>
+      </p:nvGrpSpPr>
+      <p:grpSpPr>
+        <a:xfrm>
+          <a:off x="0" y="0"/>
+          <a:ext cx="0" cy="0"/>
+          <a:chOff x="0" y="0"/>
+          <a:chExt cx="0" cy="0"/>
+        </a:xfrm>
+      </p:grpSpPr>
+      <p:sp>
+        <p:nvSpPr>
+          <p:cNvPr id="4" name="TextBox 3">
+            <a:extLst>
+              <a:ext uri="{FF2B5EF4-FFF2-40B4-BE49-F238E27FC236}">
+                <a16:creationId xmlns:a16="http://schemas.microsoft.com/office/drawing/2014/main" id="{AAB656A5-445A-4E2F-8B75-7AE93B63D33D}"/>
+              </a:ext>
+            </a:extLst>
+          </p:cNvPr>
+          <p:cNvSpPr txBox="1"/>
+          <p:nvPr/>
+        </p:nvSpPr>
+        <p:spPr>
+          <a:xfrm>
+            <a:off x="-1" y="124008"/>
+            <a:ext cx="4665133" cy="461665"/>
+          </a:xfrm>
+          <a:prstGeom prst="rect">
+            <a:avLst/>
+          </a:prstGeom>
+          <a:solidFill>
+            <a:schemeClr val="tx1"/>
+          </a:solidFill>
+        </p:spPr>
+        <p:txBody>
+          <a:bodyPr wrap="square" rtlCol="0">
+            <a:spAutoFit/>
+          </a:bodyPr>
+          <a:lstStyle/>
+          <a:p>
+            <a:pPr algn="ctr"/>
+            <a:r>
+              <a:rPr lang="ko-KR" altLang="en-US" sz="2400" b="1" dirty="0">
+                <a:solidFill>
+                  <a:schemeClr val="bg1"/>
+                </a:solidFill>
+              </a:rPr>
+              <a:t>맵 아이디어 </a:t>
+            </a:r>
+            <a:r>
+              <a:rPr lang="en-US" altLang="ko-KR" sz="2400" b="1" dirty="0">
+                <a:solidFill>
+                  <a:schemeClr val="bg1"/>
+                </a:solidFill>
+              </a:rPr>
+              <a:t>– </a:t>
+            </a:r>
+            <a:r>
+              <a:rPr lang="ko-KR" altLang="en-US" sz="2400" b="1" dirty="0">
+                <a:solidFill>
+                  <a:schemeClr val="bg1"/>
+                </a:solidFill>
+              </a:rPr>
+              <a:t>레벨 컨셉</a:t>
+            </a:r>
+            <a:r>
+              <a:rPr lang="en-US" altLang="ko-KR" sz="2400" b="1" dirty="0">
+                <a:solidFill>
+                  <a:schemeClr val="bg1"/>
+                </a:solidFill>
+              </a:rPr>
+              <a:t> 2</a:t>
+            </a:r>
+            <a:r>
+              <a:rPr lang="ko-KR" altLang="en-US" sz="2400" b="1" dirty="0">
+                <a:solidFill>
+                  <a:schemeClr val="bg1"/>
+                </a:solidFill>
+              </a:rPr>
+              <a:t>차</a:t>
+            </a:r>
+          </a:p>
+        </p:txBody>
+      </p:sp>
+      <p:sp>
+        <p:nvSpPr>
+          <p:cNvPr id="5" name="TextBox 4">
+            <a:extLst>
+              <a:ext uri="{FF2B5EF4-FFF2-40B4-BE49-F238E27FC236}">
+                <a16:creationId xmlns:a16="http://schemas.microsoft.com/office/drawing/2014/main" id="{8782A480-8A3A-4A7D-8316-1F03F4EF19C8}"/>
+              </a:ext>
+            </a:extLst>
+          </p:cNvPr>
+          <p:cNvSpPr txBox="1"/>
+          <p:nvPr/>
+        </p:nvSpPr>
+        <p:spPr>
+          <a:xfrm>
+            <a:off x="4665132" y="72408"/>
+            <a:ext cx="7789334" cy="923330"/>
+          </a:xfrm>
+          <a:prstGeom prst="rect">
+            <a:avLst/>
+          </a:prstGeom>
+          <a:noFill/>
+        </p:spPr>
+        <p:txBody>
+          <a:bodyPr wrap="square" rtlCol="0">
+            <a:spAutoFit/>
+          </a:bodyPr>
+          <a:lstStyle/>
+          <a:p>
+            <a:r>
+              <a:rPr lang="ko-KR" altLang="en-US" dirty="0"/>
+              <a:t>배치하다 보니 생각이 바뀜</a:t>
+            </a:r>
+            <a:r>
+              <a:rPr lang="en-US" altLang="ko-KR" dirty="0"/>
+              <a:t>… </a:t>
+            </a:r>
+          </a:p>
+          <a:p>
+            <a:r>
+              <a:rPr lang="ko-KR" altLang="en-US" dirty="0"/>
+              <a:t>갑자기 심해에서 정글이 되는 감성이</a:t>
+            </a:r>
+            <a:r>
+              <a:rPr lang="en-US" altLang="ko-KR" dirty="0"/>
+              <a:t> </a:t>
+            </a:r>
+            <a:r>
+              <a:rPr lang="ko-KR" altLang="en-US" dirty="0"/>
+              <a:t>신선할 것 같진 않았음</a:t>
+            </a:r>
+            <a:endParaRPr lang="en-US" altLang="ko-KR" dirty="0"/>
+          </a:p>
+          <a:p>
+            <a:r>
+              <a:rPr lang="ko-KR" altLang="en-US" dirty="0"/>
+              <a:t>정글 </a:t>
+            </a:r>
+            <a:r>
+              <a:rPr lang="en-US" altLang="ko-KR" dirty="0"/>
+              <a:t>-&gt; </a:t>
+            </a:r>
+            <a:r>
+              <a:rPr lang="ko-KR" altLang="en-US" dirty="0"/>
+              <a:t>해저 동굴로 컨셉을 변경</a:t>
+            </a:r>
+            <a:r>
+              <a:rPr lang="en-US" altLang="ko-KR" dirty="0"/>
+              <a:t>!</a:t>
+            </a:r>
+          </a:p>
+        </p:txBody>
+      </p:sp>
+      <p:pic>
+        <p:nvPicPr>
+          <p:cNvPr id="7" name="그림 6">
+            <a:extLst>
+              <a:ext uri="{FF2B5EF4-FFF2-40B4-BE49-F238E27FC236}">
+                <a16:creationId xmlns:a16="http://schemas.microsoft.com/office/drawing/2014/main" id="{0654913F-A6C3-4C5F-B820-08BBF05235C1}"/>
+              </a:ext>
+            </a:extLst>
+          </p:cNvPr>
+          <p:cNvPicPr>
+            <a:picLocks noChangeAspect="1"/>
+          </p:cNvPicPr>
+          <p:nvPr/>
+        </p:nvPicPr>
+        <p:blipFill>
+          <a:blip r:embed="rId2"/>
+          <a:stretch>
+            <a:fillRect/>
+          </a:stretch>
+        </p:blipFill>
+        <p:spPr>
+          <a:xfrm>
+            <a:off x="580413" y="1337627"/>
+            <a:ext cx="4463225" cy="4685154"/>
+          </a:xfrm>
+          <a:prstGeom prst="rect">
+            <a:avLst/>
+          </a:prstGeom>
+        </p:spPr>
+      </p:pic>
+      <p:sp>
+        <p:nvSpPr>
+          <p:cNvPr id="8" name="타원 7">
+            <a:extLst>
+              <a:ext uri="{FF2B5EF4-FFF2-40B4-BE49-F238E27FC236}">
+                <a16:creationId xmlns:a16="http://schemas.microsoft.com/office/drawing/2014/main" id="{67181A59-C93C-42FC-8B57-A55B88203B1F}"/>
+              </a:ext>
+            </a:extLst>
+          </p:cNvPr>
+          <p:cNvSpPr/>
+          <p:nvPr/>
+        </p:nvSpPr>
+        <p:spPr>
+          <a:xfrm>
+            <a:off x="3697170" y="5379364"/>
+            <a:ext cx="1080000" cy="1080000"/>
+          </a:xfrm>
+          <a:prstGeom prst="ellipse">
+            <a:avLst/>
+          </a:prstGeom>
+          <a:solidFill>
+            <a:srgbClr val="00B0F0"/>
+          </a:solidFill>
+        </p:spPr>
+        <p:style>
+          <a:lnRef idx="2">
+            <a:schemeClr val="accent1">
+              <a:shade val="50000"/>
+            </a:schemeClr>
+          </a:lnRef>
+          <a:fillRef idx="1">
+            <a:schemeClr val="accent1"/>
+          </a:fillRef>
+          <a:effectRef idx="0">
+            <a:schemeClr val="accent1"/>
+          </a:effectRef>
+          <a:fontRef idx="minor">
+            <a:schemeClr val="lt1"/>
+          </a:fontRef>
+        </p:style>
+        <p:txBody>
+          <a:bodyPr rtlCol="0" anchor="ctr"/>
+          <a:lstStyle/>
+          <a:p>
+            <a:pPr algn="ctr"/>
+            <a:r>
+              <a:rPr lang="ko-KR" altLang="en-US" b="1" dirty="0">
+                <a:solidFill>
+                  <a:sysClr val="windowText" lastClr="000000"/>
+                </a:solidFill>
+              </a:rPr>
+              <a:t>시작</a:t>
+            </a:r>
+          </a:p>
+        </p:txBody>
+      </p:sp>
+      <p:sp>
+        <p:nvSpPr>
+          <p:cNvPr id="9" name="타원 8">
+            <a:extLst>
+              <a:ext uri="{FF2B5EF4-FFF2-40B4-BE49-F238E27FC236}">
+                <a16:creationId xmlns:a16="http://schemas.microsoft.com/office/drawing/2014/main" id="{3EF0B7E1-E3F2-48EB-B228-DD74AA745F38}"/>
+              </a:ext>
+            </a:extLst>
+          </p:cNvPr>
+          <p:cNvSpPr/>
+          <p:nvPr/>
+        </p:nvSpPr>
+        <p:spPr>
+          <a:xfrm>
+            <a:off x="667075" y="5379364"/>
+            <a:ext cx="1080000" cy="1080000"/>
+          </a:xfrm>
+          <a:prstGeom prst="ellipse">
+            <a:avLst/>
+          </a:prstGeom>
+          <a:solidFill>
+            <a:srgbClr val="00B0F0"/>
+          </a:solidFill>
+        </p:spPr>
+        <p:style>
+          <a:lnRef idx="2">
+            <a:schemeClr val="accent1">
+              <a:shade val="50000"/>
+            </a:schemeClr>
+          </a:lnRef>
+          <a:fillRef idx="1">
+            <a:schemeClr val="accent1"/>
+          </a:fillRef>
+          <a:effectRef idx="0">
+            <a:schemeClr val="accent1"/>
+          </a:effectRef>
+          <a:fontRef idx="minor">
+            <a:schemeClr val="lt1"/>
+          </a:fontRef>
+        </p:style>
+        <p:txBody>
+          <a:bodyPr rtlCol="0" anchor="ctr"/>
+          <a:lstStyle/>
+          <a:p>
+            <a:pPr algn="ctr"/>
+            <a:r>
+              <a:rPr lang="ko-KR" altLang="en-US" b="1" dirty="0">
+                <a:solidFill>
+                  <a:sysClr val="windowText" lastClr="000000"/>
+                </a:solidFill>
+              </a:rPr>
+              <a:t>완료</a:t>
+            </a:r>
+          </a:p>
+        </p:txBody>
+      </p:sp>
+      <p:sp>
+        <p:nvSpPr>
+          <p:cNvPr id="10" name="타원 9">
+            <a:extLst>
+              <a:ext uri="{FF2B5EF4-FFF2-40B4-BE49-F238E27FC236}">
+                <a16:creationId xmlns:a16="http://schemas.microsoft.com/office/drawing/2014/main" id="{1B5A5E99-DC1A-400F-A46C-FF9588238CA6}"/>
+              </a:ext>
+            </a:extLst>
+          </p:cNvPr>
+          <p:cNvSpPr/>
+          <p:nvPr/>
+        </p:nvSpPr>
+        <p:spPr>
+          <a:xfrm>
+            <a:off x="2812025" y="4636317"/>
+            <a:ext cx="997988" cy="912835"/>
+          </a:xfrm>
+          <a:prstGeom prst="ellipse">
+            <a:avLst/>
+          </a:prstGeom>
+          <a:solidFill>
+            <a:srgbClr val="D9D9D9">
+              <a:alpha val="40000"/>
+            </a:srgbClr>
+          </a:solidFill>
+          <a:ln w="57150">
+            <a:solidFill>
+              <a:srgbClr val="FFC000"/>
+            </a:solidFill>
+          </a:ln>
+        </p:spPr>
+        <p:style>
+          <a:lnRef idx="2">
+            <a:schemeClr val="accent1">
+              <a:shade val="50000"/>
+            </a:schemeClr>
+          </a:lnRef>
+          <a:fillRef idx="1">
+            <a:schemeClr val="accent1"/>
+          </a:fillRef>
+          <a:effectRef idx="0">
+            <a:schemeClr val="accent1"/>
+          </a:effectRef>
+          <a:fontRef idx="minor">
+            <a:schemeClr val="lt1"/>
+          </a:fontRef>
+        </p:style>
+        <p:txBody>
+          <a:bodyPr wrap="none" rtlCol="0" anchor="ctr"/>
+          <a:lstStyle/>
+          <a:p>
+            <a:pPr algn="ctr"/>
+            <a:r>
+              <a:rPr lang="en-US" altLang="ko-KR" sz="1100" b="1" dirty="0">
+                <a:solidFill>
+                  <a:sysClr val="windowText" lastClr="000000"/>
+                </a:solidFill>
+              </a:rPr>
+              <a:t>1 </a:t>
+            </a:r>
+            <a:r>
+              <a:rPr lang="ko-KR" altLang="en-US" sz="1100" b="1" dirty="0">
+                <a:solidFill>
+                  <a:sysClr val="windowText" lastClr="000000"/>
+                </a:solidFill>
+              </a:rPr>
+              <a:t>단계</a:t>
+            </a:r>
+            <a:endParaRPr lang="en-US" altLang="ko-KR" sz="1100" b="1" dirty="0">
+              <a:solidFill>
+                <a:sysClr val="windowText" lastClr="000000"/>
+              </a:solidFill>
+            </a:endParaRPr>
+          </a:p>
+          <a:p>
+            <a:pPr algn="ctr"/>
+            <a:r>
+              <a:rPr lang="ko-KR" altLang="en-US" b="1" dirty="0">
+                <a:solidFill>
+                  <a:sysClr val="windowText" lastClr="000000"/>
+                </a:solidFill>
+              </a:rPr>
+              <a:t>퀴즈</a:t>
+            </a:r>
+          </a:p>
+        </p:txBody>
+      </p:sp>
+      <p:sp>
+        <p:nvSpPr>
+          <p:cNvPr id="12" name="타원 11">
+            <a:extLst>
+              <a:ext uri="{FF2B5EF4-FFF2-40B4-BE49-F238E27FC236}">
+                <a16:creationId xmlns:a16="http://schemas.microsoft.com/office/drawing/2014/main" id="{42FEEE86-3986-47EE-BF5F-72FE65F7F1E3}"/>
+              </a:ext>
+            </a:extLst>
+          </p:cNvPr>
+          <p:cNvSpPr/>
+          <p:nvPr/>
+        </p:nvSpPr>
+        <p:spPr>
+          <a:xfrm>
+            <a:off x="4045650" y="4124640"/>
+            <a:ext cx="997988" cy="912835"/>
+          </a:xfrm>
+          <a:prstGeom prst="ellipse">
+            <a:avLst/>
+          </a:prstGeom>
+          <a:solidFill>
+            <a:srgbClr val="D9D9D9">
+              <a:alpha val="40000"/>
+            </a:srgbClr>
+          </a:solidFill>
+          <a:ln w="57150">
+            <a:solidFill>
+              <a:srgbClr val="FFC000"/>
+            </a:solidFill>
+          </a:ln>
+        </p:spPr>
+        <p:style>
+          <a:lnRef idx="2">
+            <a:schemeClr val="accent1">
+              <a:shade val="50000"/>
+            </a:schemeClr>
+          </a:lnRef>
+          <a:fillRef idx="1">
+            <a:schemeClr val="accent1"/>
+          </a:fillRef>
+          <a:effectRef idx="0">
+            <a:schemeClr val="accent1"/>
+          </a:effectRef>
+          <a:fontRef idx="minor">
+            <a:schemeClr val="lt1"/>
+          </a:fontRef>
+        </p:style>
+        <p:txBody>
+          <a:bodyPr wrap="none" rtlCol="0" anchor="ctr"/>
+          <a:lstStyle/>
+          <a:p>
+            <a:pPr algn="ctr"/>
+            <a:r>
+              <a:rPr lang="en-US" altLang="ko-KR" sz="1100" b="1" dirty="0">
+                <a:solidFill>
+                  <a:sysClr val="windowText" lastClr="000000"/>
+                </a:solidFill>
+              </a:rPr>
+              <a:t>2 </a:t>
+            </a:r>
+            <a:r>
+              <a:rPr lang="ko-KR" altLang="en-US" sz="1100" b="1" dirty="0">
+                <a:solidFill>
+                  <a:sysClr val="windowText" lastClr="000000"/>
+                </a:solidFill>
+              </a:rPr>
+              <a:t>단계</a:t>
+            </a:r>
+            <a:endParaRPr lang="en-US" altLang="ko-KR" sz="1100" b="1" dirty="0">
+              <a:solidFill>
+                <a:sysClr val="windowText" lastClr="000000"/>
+              </a:solidFill>
+            </a:endParaRPr>
+          </a:p>
+          <a:p>
+            <a:pPr algn="ctr"/>
+            <a:r>
+              <a:rPr lang="ko-KR" altLang="en-US" b="1" dirty="0">
+                <a:solidFill>
+                  <a:sysClr val="windowText" lastClr="000000"/>
+                </a:solidFill>
+              </a:rPr>
+              <a:t>놀이</a:t>
+            </a:r>
+          </a:p>
+        </p:txBody>
+      </p:sp>
+      <p:sp>
+        <p:nvSpPr>
+          <p:cNvPr id="13" name="타원 12">
+            <a:extLst>
+              <a:ext uri="{FF2B5EF4-FFF2-40B4-BE49-F238E27FC236}">
+                <a16:creationId xmlns:a16="http://schemas.microsoft.com/office/drawing/2014/main" id="{0D2425B5-A42B-4435-A368-A62BD6AD59F4}"/>
+              </a:ext>
+            </a:extLst>
+          </p:cNvPr>
+          <p:cNvSpPr/>
+          <p:nvPr/>
+        </p:nvSpPr>
+        <p:spPr>
+          <a:xfrm>
+            <a:off x="3546656" y="1765265"/>
+            <a:ext cx="997988" cy="912835"/>
+          </a:xfrm>
+          <a:prstGeom prst="ellipse">
+            <a:avLst/>
+          </a:prstGeom>
+          <a:solidFill>
+            <a:srgbClr val="D9D9D9">
+              <a:alpha val="40000"/>
+            </a:srgbClr>
+          </a:solidFill>
+          <a:ln w="57150">
+            <a:solidFill>
+              <a:srgbClr val="FFC000"/>
+            </a:solidFill>
+          </a:ln>
+        </p:spPr>
+        <p:style>
+          <a:lnRef idx="2">
+            <a:schemeClr val="accent1">
+              <a:shade val="50000"/>
+            </a:schemeClr>
+          </a:lnRef>
+          <a:fillRef idx="1">
+            <a:schemeClr val="accent1"/>
+          </a:fillRef>
+          <a:effectRef idx="0">
+            <a:schemeClr val="accent1"/>
+          </a:effectRef>
+          <a:fontRef idx="minor">
+            <a:schemeClr val="lt1"/>
+          </a:fontRef>
+        </p:style>
+        <p:txBody>
+          <a:bodyPr wrap="none" rtlCol="0" anchor="ctr"/>
+          <a:lstStyle/>
+          <a:p>
+            <a:pPr algn="ctr"/>
+            <a:r>
+              <a:rPr lang="en-US" altLang="ko-KR" sz="1100" b="1" dirty="0">
+                <a:solidFill>
+                  <a:sysClr val="windowText" lastClr="000000"/>
+                </a:solidFill>
+              </a:rPr>
+              <a:t>3 </a:t>
+            </a:r>
+            <a:r>
+              <a:rPr lang="ko-KR" altLang="en-US" sz="1100" b="1" dirty="0">
+                <a:solidFill>
+                  <a:sysClr val="windowText" lastClr="000000"/>
+                </a:solidFill>
+              </a:rPr>
+              <a:t>단계</a:t>
+            </a:r>
+            <a:endParaRPr lang="en-US" altLang="ko-KR" sz="1100" b="1" dirty="0">
+              <a:solidFill>
+                <a:sysClr val="windowText" lastClr="000000"/>
+              </a:solidFill>
+            </a:endParaRPr>
+          </a:p>
+          <a:p>
+            <a:pPr algn="ctr"/>
+            <a:r>
+              <a:rPr lang="en-US" altLang="ko-KR" b="1" dirty="0">
+                <a:solidFill>
+                  <a:sysClr val="windowText" lastClr="000000"/>
+                </a:solidFill>
+              </a:rPr>
+              <a:t>???</a:t>
+            </a:r>
+            <a:endParaRPr lang="ko-KR" altLang="en-US" b="1" dirty="0">
+              <a:solidFill>
+                <a:sysClr val="windowText" lastClr="000000"/>
+              </a:solidFill>
+            </a:endParaRPr>
+          </a:p>
+        </p:txBody>
+      </p:sp>
+      <p:sp>
+        <p:nvSpPr>
+          <p:cNvPr id="14" name="타원 13">
+            <a:extLst>
+              <a:ext uri="{FF2B5EF4-FFF2-40B4-BE49-F238E27FC236}">
+                <a16:creationId xmlns:a16="http://schemas.microsoft.com/office/drawing/2014/main" id="{5E5692A9-184B-4329-BB2F-DEFB10196B51}"/>
+              </a:ext>
+            </a:extLst>
+          </p:cNvPr>
+          <p:cNvSpPr/>
+          <p:nvPr/>
+        </p:nvSpPr>
+        <p:spPr>
+          <a:xfrm>
+            <a:off x="984431" y="2445660"/>
+            <a:ext cx="997988" cy="912835"/>
+          </a:xfrm>
+          <a:prstGeom prst="ellipse">
+            <a:avLst/>
+          </a:prstGeom>
+          <a:solidFill>
+            <a:srgbClr val="D9D9D9">
+              <a:alpha val="40000"/>
+            </a:srgbClr>
+          </a:solidFill>
+          <a:ln w="57150">
+            <a:solidFill>
+              <a:srgbClr val="FFC000"/>
+            </a:solidFill>
+          </a:ln>
+        </p:spPr>
+        <p:style>
+          <a:lnRef idx="2">
+            <a:schemeClr val="accent1">
+              <a:shade val="50000"/>
+            </a:schemeClr>
+          </a:lnRef>
+          <a:fillRef idx="1">
+            <a:schemeClr val="accent1"/>
+          </a:fillRef>
+          <a:effectRef idx="0">
+            <a:schemeClr val="accent1"/>
+          </a:effectRef>
+          <a:fontRef idx="minor">
+            <a:schemeClr val="lt1"/>
+          </a:fontRef>
+        </p:style>
+        <p:txBody>
+          <a:bodyPr wrap="none" rtlCol="0" anchor="ctr"/>
+          <a:lstStyle/>
+          <a:p>
+            <a:pPr algn="ctr"/>
+            <a:r>
+              <a:rPr lang="en-US" altLang="ko-KR" sz="1100" b="1" dirty="0">
+                <a:solidFill>
+                  <a:sysClr val="windowText" lastClr="000000"/>
+                </a:solidFill>
+              </a:rPr>
+              <a:t>4 </a:t>
+            </a:r>
+            <a:r>
+              <a:rPr lang="ko-KR" altLang="en-US" sz="1100" b="1" dirty="0">
+                <a:solidFill>
+                  <a:sysClr val="windowText" lastClr="000000"/>
+                </a:solidFill>
+              </a:rPr>
+              <a:t>단계</a:t>
+            </a:r>
+            <a:endParaRPr lang="en-US" altLang="ko-KR" sz="1100" b="1" dirty="0">
+              <a:solidFill>
+                <a:sysClr val="windowText" lastClr="000000"/>
+              </a:solidFill>
+            </a:endParaRPr>
+          </a:p>
+          <a:p>
+            <a:pPr algn="ctr"/>
+            <a:r>
+              <a:rPr lang="en-US" altLang="ko-KR" b="1" dirty="0">
+                <a:solidFill>
+                  <a:sysClr val="windowText" lastClr="000000"/>
+                </a:solidFill>
+              </a:rPr>
+              <a:t>???</a:t>
+            </a:r>
+            <a:endParaRPr lang="ko-KR" altLang="en-US" b="1" dirty="0">
+              <a:solidFill>
+                <a:sysClr val="windowText" lastClr="000000"/>
+              </a:solidFill>
+            </a:endParaRPr>
+          </a:p>
+        </p:txBody>
+      </p:sp>
+      <p:cxnSp>
+        <p:nvCxnSpPr>
+          <p:cNvPr id="15" name="직선 화살표 연결선 14">
+            <a:extLst>
+              <a:ext uri="{FF2B5EF4-FFF2-40B4-BE49-F238E27FC236}">
+                <a16:creationId xmlns:a16="http://schemas.microsoft.com/office/drawing/2014/main" id="{4D272423-F55C-4FAD-855E-4DB1E59D96F3}"/>
+              </a:ext>
+            </a:extLst>
+          </p:cNvPr>
+          <p:cNvCxnSpPr>
+            <a:cxnSpLocks/>
+            <a:stCxn id="8" idx="0"/>
+            <a:endCxn id="10" idx="6"/>
+          </p:cNvCxnSpPr>
+          <p:nvPr/>
+        </p:nvCxnSpPr>
+        <p:spPr>
+          <a:xfrm flipH="1" flipV="1">
+            <a:off x="3810013" y="5092735"/>
+            <a:ext cx="427157" cy="286629"/>
+          </a:xfrm>
+          <a:prstGeom prst="straightConnector1">
+            <a:avLst/>
+          </a:prstGeom>
+          <a:ln w="57150">
+            <a:solidFill>
+              <a:srgbClr val="FFC000"/>
+            </a:solidFill>
+            <a:prstDash val="sysDot"/>
+            <a:tailEnd type="triangle"/>
+          </a:ln>
+        </p:spPr>
+        <p:style>
+          <a:lnRef idx="1">
+            <a:schemeClr val="accent1"/>
+          </a:lnRef>
+          <a:fillRef idx="0">
+            <a:schemeClr val="accent1"/>
+          </a:fillRef>
+          <a:effectRef idx="0">
+            <a:schemeClr val="accent1"/>
+          </a:effectRef>
+          <a:fontRef idx="minor">
+            <a:schemeClr val="tx1"/>
+          </a:fontRef>
+        </p:style>
+      </p:cxnSp>
+      <p:cxnSp>
+        <p:nvCxnSpPr>
+          <p:cNvPr id="18" name="직선 화살표 연결선 17">
+            <a:extLst>
+              <a:ext uri="{FF2B5EF4-FFF2-40B4-BE49-F238E27FC236}">
+                <a16:creationId xmlns:a16="http://schemas.microsoft.com/office/drawing/2014/main" id="{E90325B1-9B39-4A6E-908E-81091C926F03}"/>
+              </a:ext>
+            </a:extLst>
+          </p:cNvPr>
+          <p:cNvCxnSpPr>
+            <a:cxnSpLocks/>
+            <a:stCxn id="10" idx="6"/>
+            <a:endCxn id="12" idx="3"/>
+          </p:cNvCxnSpPr>
+          <p:nvPr/>
+        </p:nvCxnSpPr>
+        <p:spPr>
+          <a:xfrm flipV="1">
+            <a:off x="3810013" y="4903793"/>
+            <a:ext cx="381789" cy="188942"/>
+          </a:xfrm>
+          <a:prstGeom prst="straightConnector1">
+            <a:avLst/>
+          </a:prstGeom>
+          <a:ln w="57150">
+            <a:solidFill>
+              <a:srgbClr val="FFC000"/>
+            </a:solidFill>
+            <a:prstDash val="sysDot"/>
+            <a:tailEnd type="triangle"/>
+          </a:ln>
+        </p:spPr>
+        <p:style>
+          <a:lnRef idx="1">
+            <a:schemeClr val="accent1"/>
+          </a:lnRef>
+          <a:fillRef idx="0">
+            <a:schemeClr val="accent1"/>
+          </a:fillRef>
+          <a:effectRef idx="0">
+            <a:schemeClr val="accent1"/>
+          </a:effectRef>
+          <a:fontRef idx="minor">
+            <a:schemeClr val="tx1"/>
+          </a:fontRef>
+        </p:style>
+      </p:cxnSp>
+      <p:cxnSp>
+        <p:nvCxnSpPr>
+          <p:cNvPr id="22" name="직선 화살표 연결선 21">
+            <a:extLst>
+              <a:ext uri="{FF2B5EF4-FFF2-40B4-BE49-F238E27FC236}">
+                <a16:creationId xmlns:a16="http://schemas.microsoft.com/office/drawing/2014/main" id="{083D2DE1-AB35-4BA7-8150-21859053E925}"/>
+              </a:ext>
+            </a:extLst>
+          </p:cNvPr>
+          <p:cNvCxnSpPr>
+            <a:cxnSpLocks/>
+            <a:stCxn id="12" idx="0"/>
+            <a:endCxn id="13" idx="4"/>
+          </p:cNvCxnSpPr>
+          <p:nvPr/>
+        </p:nvCxnSpPr>
+        <p:spPr>
+          <a:xfrm flipH="1" flipV="1">
+            <a:off x="4045650" y="2678100"/>
+            <a:ext cx="498994" cy="1446540"/>
+          </a:xfrm>
+          <a:prstGeom prst="straightConnector1">
+            <a:avLst/>
+          </a:prstGeom>
+          <a:ln w="57150">
+            <a:solidFill>
+              <a:srgbClr val="FFC000"/>
+            </a:solidFill>
+            <a:prstDash val="sysDot"/>
+            <a:tailEnd type="triangle"/>
+          </a:ln>
+        </p:spPr>
+        <p:style>
+          <a:lnRef idx="1">
+            <a:schemeClr val="accent1"/>
+          </a:lnRef>
+          <a:fillRef idx="0">
+            <a:schemeClr val="accent1"/>
+          </a:fillRef>
+          <a:effectRef idx="0">
+            <a:schemeClr val="accent1"/>
+          </a:effectRef>
+          <a:fontRef idx="minor">
+            <a:schemeClr val="tx1"/>
+          </a:fontRef>
+        </p:style>
+      </p:cxnSp>
+      <p:cxnSp>
+        <p:nvCxnSpPr>
+          <p:cNvPr id="25" name="직선 화살표 연결선 24">
+            <a:extLst>
+              <a:ext uri="{FF2B5EF4-FFF2-40B4-BE49-F238E27FC236}">
+                <a16:creationId xmlns:a16="http://schemas.microsoft.com/office/drawing/2014/main" id="{BCA107D8-E8DF-4EF6-8CDC-05AF30ACEEFC}"/>
+              </a:ext>
+            </a:extLst>
+          </p:cNvPr>
+          <p:cNvCxnSpPr>
+            <a:cxnSpLocks/>
+            <a:stCxn id="13" idx="2"/>
+            <a:endCxn id="14" idx="7"/>
+          </p:cNvCxnSpPr>
+          <p:nvPr/>
+        </p:nvCxnSpPr>
+        <p:spPr>
+          <a:xfrm flipH="1">
+            <a:off x="1836267" y="2221683"/>
+            <a:ext cx="1710389" cy="357659"/>
+          </a:xfrm>
+          <a:prstGeom prst="straightConnector1">
+            <a:avLst/>
+          </a:prstGeom>
+          <a:ln w="57150">
+            <a:solidFill>
+              <a:srgbClr val="FFC000"/>
+            </a:solidFill>
+            <a:prstDash val="sysDot"/>
+            <a:tailEnd type="triangle"/>
+          </a:ln>
+        </p:spPr>
+        <p:style>
+          <a:lnRef idx="1">
+            <a:schemeClr val="accent1"/>
+          </a:lnRef>
+          <a:fillRef idx="0">
+            <a:schemeClr val="accent1"/>
+          </a:fillRef>
+          <a:effectRef idx="0">
+            <a:schemeClr val="accent1"/>
+          </a:effectRef>
+          <a:fontRef idx="minor">
+            <a:schemeClr val="tx1"/>
+          </a:fontRef>
+        </p:style>
+      </p:cxnSp>
+      <p:cxnSp>
+        <p:nvCxnSpPr>
+          <p:cNvPr id="28" name="직선 화살표 연결선 27">
+            <a:extLst>
+              <a:ext uri="{FF2B5EF4-FFF2-40B4-BE49-F238E27FC236}">
+                <a16:creationId xmlns:a16="http://schemas.microsoft.com/office/drawing/2014/main" id="{EB7D745F-DF21-4DD1-8859-A471D9C317D4}"/>
+              </a:ext>
+            </a:extLst>
+          </p:cNvPr>
+          <p:cNvCxnSpPr>
+            <a:cxnSpLocks/>
+            <a:stCxn id="14" idx="4"/>
+            <a:endCxn id="9" idx="0"/>
+          </p:cNvCxnSpPr>
+          <p:nvPr/>
+        </p:nvCxnSpPr>
+        <p:spPr>
+          <a:xfrm flipH="1">
+            <a:off x="1207075" y="3358495"/>
+            <a:ext cx="276350" cy="2020869"/>
+          </a:xfrm>
+          <a:prstGeom prst="straightConnector1">
+            <a:avLst/>
+          </a:prstGeom>
+          <a:ln w="57150">
+            <a:solidFill>
+              <a:srgbClr val="FFC000"/>
+            </a:solidFill>
+            <a:prstDash val="sysDot"/>
+            <a:tailEnd type="triangle"/>
+          </a:ln>
+        </p:spPr>
+        <p:style>
+          <a:lnRef idx="1">
+            <a:schemeClr val="accent1"/>
+          </a:lnRef>
+          <a:fillRef idx="0">
+            <a:schemeClr val="accent1"/>
+          </a:fillRef>
+          <a:effectRef idx="0">
+            <a:schemeClr val="accent1"/>
+          </a:effectRef>
+          <a:fontRef idx="minor">
+            <a:schemeClr val="tx1"/>
+          </a:fontRef>
+        </p:style>
+      </p:cxnSp>
+      <p:sp>
+        <p:nvSpPr>
+          <p:cNvPr id="31" name="TextBox 30">
+            <a:extLst>
+              <a:ext uri="{FF2B5EF4-FFF2-40B4-BE49-F238E27FC236}">
+                <a16:creationId xmlns:a16="http://schemas.microsoft.com/office/drawing/2014/main" id="{4493BE75-F6D1-40B2-884C-0A47217F4DAF}"/>
+              </a:ext>
+            </a:extLst>
+          </p:cNvPr>
+          <p:cNvSpPr txBox="1"/>
+          <p:nvPr/>
+        </p:nvSpPr>
+        <p:spPr>
+          <a:xfrm>
+            <a:off x="1651642" y="6308754"/>
+            <a:ext cx="2076450" cy="569387"/>
+          </a:xfrm>
+          <a:prstGeom prst="rect">
+            <a:avLst/>
+          </a:prstGeom>
+          <a:noFill/>
+          <a:ln w="38100">
+            <a:solidFill>
+              <a:schemeClr val="bg1">
+                <a:lumMod val="75000"/>
+              </a:schemeClr>
+            </a:solidFill>
+          </a:ln>
+        </p:spPr>
+        <p:txBody>
+          <a:bodyPr wrap="square" rtlCol="0">
+            <a:spAutoFit/>
+          </a:bodyPr>
+          <a:lstStyle/>
+          <a:p>
+            <a:r>
+              <a:rPr lang="en-US" altLang="ko-KR" sz="1100" b="1" dirty="0"/>
+              <a:t>* </a:t>
+            </a:r>
+            <a:r>
+              <a:rPr lang="ko-KR" altLang="en-US" sz="1100" b="1" dirty="0"/>
+              <a:t>벽화의 그림 맞추기</a:t>
+            </a:r>
+            <a:endParaRPr lang="en-US" altLang="ko-KR" sz="1100" b="1" dirty="0"/>
+          </a:p>
+          <a:p>
+            <a:r>
+              <a:rPr lang="ko-KR" altLang="en-US" sz="1000" dirty="0"/>
+              <a:t>그림을 맞추면 리모컨을 획득할 수 있다</a:t>
+            </a:r>
+            <a:r>
+              <a:rPr lang="en-US" altLang="ko-KR" sz="1000" dirty="0"/>
+              <a:t>. (2</a:t>
+            </a:r>
+            <a:r>
+              <a:rPr lang="ko-KR" altLang="en-US" sz="1000" dirty="0"/>
+              <a:t> 단계 놀이 진행 가능</a:t>
+            </a:r>
+            <a:r>
+              <a:rPr lang="en-US" altLang="ko-KR" sz="1000" dirty="0"/>
+              <a:t>)</a:t>
+            </a:r>
+            <a:endParaRPr lang="ko-KR" altLang="en-US" sz="1000" dirty="0"/>
+          </a:p>
+        </p:txBody>
+      </p:sp>
+      <p:cxnSp>
+        <p:nvCxnSpPr>
+          <p:cNvPr id="35" name="직선 연결선 34">
+            <a:extLst>
+              <a:ext uri="{FF2B5EF4-FFF2-40B4-BE49-F238E27FC236}">
+                <a16:creationId xmlns:a16="http://schemas.microsoft.com/office/drawing/2014/main" id="{CE196EDB-1F51-49AB-8B98-C82D0FAD27B8}"/>
+              </a:ext>
+            </a:extLst>
+          </p:cNvPr>
+          <p:cNvCxnSpPr>
+            <a:cxnSpLocks/>
+            <a:stCxn id="10" idx="4"/>
+            <a:endCxn id="31" idx="0"/>
+          </p:cNvCxnSpPr>
+          <p:nvPr/>
+        </p:nvCxnSpPr>
+        <p:spPr>
+          <a:xfrm flipH="1">
+            <a:off x="2689867" y="5549152"/>
+            <a:ext cx="621152" cy="759602"/>
+          </a:xfrm>
+          <a:prstGeom prst="line">
+            <a:avLst/>
+          </a:prstGeom>
+          <a:ln w="38100">
+            <a:solidFill>
+              <a:schemeClr val="bg1">
+                <a:lumMod val="75000"/>
+              </a:schemeClr>
+            </a:solidFill>
+          </a:ln>
+        </p:spPr>
+        <p:style>
+          <a:lnRef idx="1">
+            <a:schemeClr val="accent1"/>
+          </a:lnRef>
+          <a:fillRef idx="0">
+            <a:schemeClr val="accent1"/>
+          </a:fillRef>
+          <a:effectRef idx="0">
+            <a:schemeClr val="accent1"/>
+          </a:effectRef>
+          <a:fontRef idx="minor">
+            <a:schemeClr val="tx1"/>
+          </a:fontRef>
+        </p:style>
+      </p:cxnSp>
+      <p:sp>
+        <p:nvSpPr>
+          <p:cNvPr id="37" name="TextBox 36">
+            <a:extLst>
+              <a:ext uri="{FF2B5EF4-FFF2-40B4-BE49-F238E27FC236}">
+                <a16:creationId xmlns:a16="http://schemas.microsoft.com/office/drawing/2014/main" id="{8A6A252F-9900-48C0-A020-E34D2708FE44}"/>
+              </a:ext>
+            </a:extLst>
+          </p:cNvPr>
+          <p:cNvSpPr txBox="1"/>
+          <p:nvPr/>
+        </p:nvSpPr>
+        <p:spPr>
+          <a:xfrm>
+            <a:off x="5583638" y="3897221"/>
+            <a:ext cx="2076450" cy="1338828"/>
+          </a:xfrm>
+          <a:prstGeom prst="rect">
+            <a:avLst/>
+          </a:prstGeom>
+          <a:noFill/>
+          <a:ln w="38100">
+            <a:solidFill>
+              <a:schemeClr val="bg1">
+                <a:lumMod val="75000"/>
+              </a:schemeClr>
+            </a:solidFill>
+          </a:ln>
+        </p:spPr>
+        <p:txBody>
+          <a:bodyPr wrap="square" rtlCol="0">
+            <a:spAutoFit/>
+          </a:bodyPr>
+          <a:lstStyle/>
+          <a:p>
+            <a:r>
+              <a:rPr lang="en-US" altLang="ko-KR" sz="1100" b="1" dirty="0"/>
+              <a:t>* </a:t>
+            </a:r>
+            <a:r>
+              <a:rPr lang="ko-KR" altLang="en-US" sz="1100" b="1" dirty="0"/>
+              <a:t>리모컨으로 강아지 움직이기</a:t>
+            </a:r>
+            <a:endParaRPr lang="en-US" altLang="ko-KR" sz="1000" dirty="0"/>
+          </a:p>
+          <a:p>
+            <a:r>
+              <a:rPr lang="ko-KR" altLang="en-US" sz="1000" dirty="0"/>
+              <a:t>장애물을 피해서 강아지를 목표 지점까지 이동하면 강아지가 위에 걸려있던 사다리를 내려준다</a:t>
+            </a:r>
+            <a:r>
+              <a:rPr lang="en-US" altLang="ko-KR" sz="1000" dirty="0"/>
+              <a:t>.</a:t>
+            </a:r>
+          </a:p>
+          <a:p>
+            <a:endParaRPr lang="en-US" altLang="ko-KR" sz="1000" dirty="0"/>
+          </a:p>
+          <a:p>
+            <a:r>
+              <a:rPr lang="en-US" altLang="ko-KR" sz="1000" dirty="0"/>
+              <a:t>1</a:t>
+            </a:r>
+            <a:r>
+              <a:rPr lang="ko-KR" altLang="en-US" sz="1000" dirty="0"/>
+              <a:t>단계 구역에서 얻은 아이템 </a:t>
+            </a:r>
+            <a:r>
+              <a:rPr lang="en-US" altLang="ko-KR" sz="1000" dirty="0"/>
+              <a:t>(</a:t>
+            </a:r>
+            <a:r>
+              <a:rPr lang="ko-KR" altLang="en-US" sz="1000" dirty="0" err="1"/>
+              <a:t>예를들면</a:t>
+            </a:r>
+            <a:r>
+              <a:rPr lang="ko-KR" altLang="en-US" sz="1000" dirty="0"/>
+              <a:t> </a:t>
+            </a:r>
+            <a:r>
+              <a:rPr lang="ko-KR" altLang="en-US" sz="1000" dirty="0" err="1"/>
+              <a:t>불가사리등</a:t>
+            </a:r>
+            <a:r>
+              <a:rPr lang="en-US" altLang="ko-KR" sz="1000" dirty="0"/>
+              <a:t>) </a:t>
+            </a:r>
+            <a:r>
+              <a:rPr lang="ko-KR" altLang="en-US" sz="1000" dirty="0"/>
+              <a:t>을 사용하여 막힌 길을 열어줄 수 있다</a:t>
+            </a:r>
+            <a:r>
+              <a:rPr lang="en-US" altLang="ko-KR" sz="1000" dirty="0"/>
+              <a:t>.</a:t>
+            </a:r>
+            <a:endParaRPr lang="ko-KR" altLang="en-US" sz="1000" dirty="0"/>
+          </a:p>
+        </p:txBody>
+      </p:sp>
+      <p:cxnSp>
+        <p:nvCxnSpPr>
+          <p:cNvPr id="38" name="직선 연결선 37">
+            <a:extLst>
+              <a:ext uri="{FF2B5EF4-FFF2-40B4-BE49-F238E27FC236}">
+                <a16:creationId xmlns:a16="http://schemas.microsoft.com/office/drawing/2014/main" id="{DC57FC4F-8F25-4B41-897A-EAE0DFE0CEBB}"/>
+              </a:ext>
+            </a:extLst>
+          </p:cNvPr>
+          <p:cNvCxnSpPr>
+            <a:cxnSpLocks/>
+            <a:stCxn id="12" idx="6"/>
+            <a:endCxn id="37" idx="1"/>
+          </p:cNvCxnSpPr>
+          <p:nvPr/>
+        </p:nvCxnSpPr>
+        <p:spPr>
+          <a:xfrm flipV="1">
+            <a:off x="5043638" y="4566635"/>
+            <a:ext cx="540000" cy="14423"/>
+          </a:xfrm>
+          <a:prstGeom prst="line">
+            <a:avLst/>
+          </a:prstGeom>
+          <a:ln w="38100">
+            <a:solidFill>
+              <a:schemeClr val="bg1">
+                <a:lumMod val="75000"/>
+              </a:schemeClr>
+            </a:solidFill>
+          </a:ln>
+        </p:spPr>
+        <p:style>
+          <a:lnRef idx="1">
+            <a:schemeClr val="accent1"/>
+          </a:lnRef>
+          <a:fillRef idx="0">
+            <a:schemeClr val="accent1"/>
+          </a:fillRef>
+          <a:effectRef idx="0">
+            <a:schemeClr val="accent1"/>
+          </a:effectRef>
+          <a:fontRef idx="minor">
+            <a:schemeClr val="tx1"/>
+          </a:fontRef>
+        </p:style>
+      </p:cxnSp>
+    </p:spTree>
+    <p:extLst>
+      <p:ext uri="{BB962C8B-B14F-4D97-AF65-F5344CB8AC3E}">
+        <p14:creationId xmlns:p14="http://schemas.microsoft.com/office/powerpoint/2010/main" val="3919511240"/>
+      </p:ext>
+    </p:extLst>
+  </p:cSld>
+  <p:clrMapOvr>
+    <a:masterClrMapping/>
+  </p:clrMapOvr>
+</p:sld>
+</file>
+
 <file path=ppt/slides/slide2.xml><?xml version="1.0" encoding="utf-8"?>
 <p:sld xmlns:a="http://schemas.openxmlformats.org/drawingml/2006/main" xmlns:r="http://schemas.openxmlformats.org/officeDocument/2006/relationships" xmlns:p="http://schemas.openxmlformats.org/presentationml/2006/main">
   <p:cSld>
